--- a/content/blog/bigdata/sql/img/img.pptx
+++ b/content/blog/bigdata/sql/img/img.pptx
@@ -6,6 +6,9 @@
   </p:sldMasterIdLst>
   <p:sldIdLst>
     <p:sldId id="256" r:id="rId2"/>
+    <p:sldId id="257" r:id="rId3"/>
+    <p:sldId id="258" r:id="rId4"/>
+    <p:sldId id="259" r:id="rId5"/>
   </p:sldIdLst>
   <p:sldSz cx="9144000" cy="6858000" type="screen4x3"/>
   <p:notesSz cx="6858000" cy="9144000"/>
@@ -288,9 +291,9 @@
           <a:p>
             <a:fld id="{F92C137F-DE92-4105-AD71-0D1862255491}" type="datetimeFigureOut">
               <a:rPr lang="ko-KR" altLang="en-US" smtClean="0"/>
-              <a:t>2021-03-29</a:t>
+              <a:t>2021-04-01</a:t>
             </a:fld>
-            <a:endParaRPr lang="ko-KR" altLang="en-US"/>
+            <a:endParaRPr lang="ko-KR" altLang="en-US" dirty="0"/>
           </a:p>
         </p:txBody>
       </p:sp>
@@ -309,7 +312,7 @@
           <a:bodyPr/>
           <a:lstStyle/>
           <a:p>
-            <a:endParaRPr lang="ko-KR" altLang="en-US"/>
+            <a:endParaRPr lang="ko-KR" altLang="en-US" dirty="0"/>
           </a:p>
         </p:txBody>
       </p:sp>
@@ -332,7 +335,7 @@
               <a:rPr lang="ko-KR" altLang="en-US" smtClean="0"/>
               <a:t>‹#›</a:t>
             </a:fld>
-            <a:endParaRPr lang="ko-KR" altLang="en-US"/>
+            <a:endParaRPr lang="ko-KR" altLang="en-US" dirty="0"/>
           </a:p>
         </p:txBody>
       </p:sp>
@@ -458,9 +461,9 @@
           <a:p>
             <a:fld id="{F92C137F-DE92-4105-AD71-0D1862255491}" type="datetimeFigureOut">
               <a:rPr lang="ko-KR" altLang="en-US" smtClean="0"/>
-              <a:t>2021-03-29</a:t>
+              <a:t>2021-04-01</a:t>
             </a:fld>
-            <a:endParaRPr lang="ko-KR" altLang="en-US"/>
+            <a:endParaRPr lang="ko-KR" altLang="en-US" dirty="0"/>
           </a:p>
         </p:txBody>
       </p:sp>
@@ -479,7 +482,7 @@
           <a:bodyPr/>
           <a:lstStyle/>
           <a:p>
-            <a:endParaRPr lang="ko-KR" altLang="en-US"/>
+            <a:endParaRPr lang="ko-KR" altLang="en-US" dirty="0"/>
           </a:p>
         </p:txBody>
       </p:sp>
@@ -502,7 +505,7 @@
               <a:rPr lang="ko-KR" altLang="en-US" smtClean="0"/>
               <a:t>‹#›</a:t>
             </a:fld>
-            <a:endParaRPr lang="ko-KR" altLang="en-US"/>
+            <a:endParaRPr lang="ko-KR" altLang="en-US" dirty="0"/>
           </a:p>
         </p:txBody>
       </p:sp>
@@ -638,9 +641,9 @@
           <a:p>
             <a:fld id="{F92C137F-DE92-4105-AD71-0D1862255491}" type="datetimeFigureOut">
               <a:rPr lang="ko-KR" altLang="en-US" smtClean="0"/>
-              <a:t>2021-03-29</a:t>
+              <a:t>2021-04-01</a:t>
             </a:fld>
-            <a:endParaRPr lang="ko-KR" altLang="en-US"/>
+            <a:endParaRPr lang="ko-KR" altLang="en-US" dirty="0"/>
           </a:p>
         </p:txBody>
       </p:sp>
@@ -659,7 +662,7 @@
           <a:bodyPr/>
           <a:lstStyle/>
           <a:p>
-            <a:endParaRPr lang="ko-KR" altLang="en-US"/>
+            <a:endParaRPr lang="ko-KR" altLang="en-US" dirty="0"/>
           </a:p>
         </p:txBody>
       </p:sp>
@@ -682,7 +685,7 @@
               <a:rPr lang="ko-KR" altLang="en-US" smtClean="0"/>
               <a:t>‹#›</a:t>
             </a:fld>
-            <a:endParaRPr lang="ko-KR" altLang="en-US"/>
+            <a:endParaRPr lang="ko-KR" altLang="en-US" dirty="0"/>
           </a:p>
         </p:txBody>
       </p:sp>
@@ -808,9 +811,9 @@
           <a:p>
             <a:fld id="{F92C137F-DE92-4105-AD71-0D1862255491}" type="datetimeFigureOut">
               <a:rPr lang="ko-KR" altLang="en-US" smtClean="0"/>
-              <a:t>2021-03-29</a:t>
+              <a:t>2021-04-01</a:t>
             </a:fld>
-            <a:endParaRPr lang="ko-KR" altLang="en-US"/>
+            <a:endParaRPr lang="ko-KR" altLang="en-US" dirty="0"/>
           </a:p>
         </p:txBody>
       </p:sp>
@@ -829,7 +832,7 @@
           <a:bodyPr/>
           <a:lstStyle/>
           <a:p>
-            <a:endParaRPr lang="ko-KR" altLang="en-US"/>
+            <a:endParaRPr lang="ko-KR" altLang="en-US" dirty="0"/>
           </a:p>
         </p:txBody>
       </p:sp>
@@ -852,7 +855,7 @@
               <a:rPr lang="ko-KR" altLang="en-US" smtClean="0"/>
               <a:t>‹#›</a:t>
             </a:fld>
-            <a:endParaRPr lang="ko-KR" altLang="en-US"/>
+            <a:endParaRPr lang="ko-KR" altLang="en-US" dirty="0"/>
           </a:p>
         </p:txBody>
       </p:sp>
@@ -1054,9 +1057,9 @@
           <a:p>
             <a:fld id="{F92C137F-DE92-4105-AD71-0D1862255491}" type="datetimeFigureOut">
               <a:rPr lang="ko-KR" altLang="en-US" smtClean="0"/>
-              <a:t>2021-03-29</a:t>
+              <a:t>2021-04-01</a:t>
             </a:fld>
-            <a:endParaRPr lang="ko-KR" altLang="en-US"/>
+            <a:endParaRPr lang="ko-KR" altLang="en-US" dirty="0"/>
           </a:p>
         </p:txBody>
       </p:sp>
@@ -1075,7 +1078,7 @@
           <a:bodyPr/>
           <a:lstStyle/>
           <a:p>
-            <a:endParaRPr lang="ko-KR" altLang="en-US"/>
+            <a:endParaRPr lang="ko-KR" altLang="en-US" dirty="0"/>
           </a:p>
         </p:txBody>
       </p:sp>
@@ -1098,7 +1101,7 @@
               <a:rPr lang="ko-KR" altLang="en-US" smtClean="0"/>
               <a:t>‹#›</a:t>
             </a:fld>
-            <a:endParaRPr lang="ko-KR" altLang="en-US"/>
+            <a:endParaRPr lang="ko-KR" altLang="en-US" dirty="0"/>
           </a:p>
         </p:txBody>
       </p:sp>
@@ -1342,9 +1345,9 @@
           <a:p>
             <a:fld id="{F92C137F-DE92-4105-AD71-0D1862255491}" type="datetimeFigureOut">
               <a:rPr lang="ko-KR" altLang="en-US" smtClean="0"/>
-              <a:t>2021-03-29</a:t>
+              <a:t>2021-04-01</a:t>
             </a:fld>
-            <a:endParaRPr lang="ko-KR" altLang="en-US"/>
+            <a:endParaRPr lang="ko-KR" altLang="en-US" dirty="0"/>
           </a:p>
         </p:txBody>
       </p:sp>
@@ -1363,7 +1366,7 @@
           <a:bodyPr/>
           <a:lstStyle/>
           <a:p>
-            <a:endParaRPr lang="ko-KR" altLang="en-US"/>
+            <a:endParaRPr lang="ko-KR" altLang="en-US" dirty="0"/>
           </a:p>
         </p:txBody>
       </p:sp>
@@ -1386,7 +1389,7 @@
               <a:rPr lang="ko-KR" altLang="en-US" smtClean="0"/>
               <a:t>‹#›</a:t>
             </a:fld>
-            <a:endParaRPr lang="ko-KR" altLang="en-US"/>
+            <a:endParaRPr lang="ko-KR" altLang="en-US" dirty="0"/>
           </a:p>
         </p:txBody>
       </p:sp>
@@ -1764,9 +1767,9 @@
           <a:p>
             <a:fld id="{F92C137F-DE92-4105-AD71-0D1862255491}" type="datetimeFigureOut">
               <a:rPr lang="ko-KR" altLang="en-US" smtClean="0"/>
-              <a:t>2021-03-29</a:t>
+              <a:t>2021-04-01</a:t>
             </a:fld>
-            <a:endParaRPr lang="ko-KR" altLang="en-US"/>
+            <a:endParaRPr lang="ko-KR" altLang="en-US" dirty="0"/>
           </a:p>
         </p:txBody>
       </p:sp>
@@ -1785,7 +1788,7 @@
           <a:bodyPr/>
           <a:lstStyle/>
           <a:p>
-            <a:endParaRPr lang="ko-KR" altLang="en-US"/>
+            <a:endParaRPr lang="ko-KR" altLang="en-US" dirty="0"/>
           </a:p>
         </p:txBody>
       </p:sp>
@@ -1808,7 +1811,7 @@
               <a:rPr lang="ko-KR" altLang="en-US" smtClean="0"/>
               <a:t>‹#›</a:t>
             </a:fld>
-            <a:endParaRPr lang="ko-KR" altLang="en-US"/>
+            <a:endParaRPr lang="ko-KR" altLang="en-US" dirty="0"/>
           </a:p>
         </p:txBody>
       </p:sp>
@@ -1882,9 +1885,9 @@
           <a:p>
             <a:fld id="{F92C137F-DE92-4105-AD71-0D1862255491}" type="datetimeFigureOut">
               <a:rPr lang="ko-KR" altLang="en-US" smtClean="0"/>
-              <a:t>2021-03-29</a:t>
+              <a:t>2021-04-01</a:t>
             </a:fld>
-            <a:endParaRPr lang="ko-KR" altLang="en-US"/>
+            <a:endParaRPr lang="ko-KR" altLang="en-US" dirty="0"/>
           </a:p>
         </p:txBody>
       </p:sp>
@@ -1903,7 +1906,7 @@
           <a:bodyPr/>
           <a:lstStyle/>
           <a:p>
-            <a:endParaRPr lang="ko-KR" altLang="en-US"/>
+            <a:endParaRPr lang="ko-KR" altLang="en-US" dirty="0"/>
           </a:p>
         </p:txBody>
       </p:sp>
@@ -1926,7 +1929,7 @@
               <a:rPr lang="ko-KR" altLang="en-US" smtClean="0"/>
               <a:t>‹#›</a:t>
             </a:fld>
-            <a:endParaRPr lang="ko-KR" altLang="en-US"/>
+            <a:endParaRPr lang="ko-KR" altLang="en-US" dirty="0"/>
           </a:p>
         </p:txBody>
       </p:sp>
@@ -1977,9 +1980,9 @@
           <a:p>
             <a:fld id="{F92C137F-DE92-4105-AD71-0D1862255491}" type="datetimeFigureOut">
               <a:rPr lang="ko-KR" altLang="en-US" smtClean="0"/>
-              <a:t>2021-03-29</a:t>
+              <a:t>2021-04-01</a:t>
             </a:fld>
-            <a:endParaRPr lang="ko-KR" altLang="en-US"/>
+            <a:endParaRPr lang="ko-KR" altLang="en-US" dirty="0"/>
           </a:p>
         </p:txBody>
       </p:sp>
@@ -1998,7 +2001,7 @@
           <a:bodyPr/>
           <a:lstStyle/>
           <a:p>
-            <a:endParaRPr lang="ko-KR" altLang="en-US"/>
+            <a:endParaRPr lang="ko-KR" altLang="en-US" dirty="0"/>
           </a:p>
         </p:txBody>
       </p:sp>
@@ -2021,7 +2024,7 @@
               <a:rPr lang="ko-KR" altLang="en-US" smtClean="0"/>
               <a:t>‹#›</a:t>
             </a:fld>
-            <a:endParaRPr lang="ko-KR" altLang="en-US"/>
+            <a:endParaRPr lang="ko-KR" altLang="en-US" dirty="0"/>
           </a:p>
         </p:txBody>
       </p:sp>
@@ -2254,9 +2257,9 @@
           <a:p>
             <a:fld id="{F92C137F-DE92-4105-AD71-0D1862255491}" type="datetimeFigureOut">
               <a:rPr lang="ko-KR" altLang="en-US" smtClean="0"/>
-              <a:t>2021-03-29</a:t>
+              <a:t>2021-04-01</a:t>
             </a:fld>
-            <a:endParaRPr lang="ko-KR" altLang="en-US"/>
+            <a:endParaRPr lang="ko-KR" altLang="en-US" dirty="0"/>
           </a:p>
         </p:txBody>
       </p:sp>
@@ -2275,7 +2278,7 @@
           <a:bodyPr/>
           <a:lstStyle/>
           <a:p>
-            <a:endParaRPr lang="ko-KR" altLang="en-US"/>
+            <a:endParaRPr lang="ko-KR" altLang="en-US" dirty="0"/>
           </a:p>
         </p:txBody>
       </p:sp>
@@ -2298,7 +2301,7 @@
               <a:rPr lang="ko-KR" altLang="en-US" smtClean="0"/>
               <a:t>‹#›</a:t>
             </a:fld>
-            <a:endParaRPr lang="ko-KR" altLang="en-US"/>
+            <a:endParaRPr lang="ko-KR" altLang="en-US" dirty="0"/>
           </a:p>
         </p:txBody>
       </p:sp>
@@ -2421,7 +2424,7 @@
             </a:lvl9pPr>
           </a:lstStyle>
           <a:p>
-            <a:endParaRPr lang="ko-KR" altLang="en-US"/>
+            <a:endParaRPr lang="ko-KR" altLang="en-US" dirty="0"/>
           </a:p>
         </p:txBody>
       </p:sp>
@@ -2507,9 +2510,9 @@
           <a:p>
             <a:fld id="{F92C137F-DE92-4105-AD71-0D1862255491}" type="datetimeFigureOut">
               <a:rPr lang="ko-KR" altLang="en-US" smtClean="0"/>
-              <a:t>2021-03-29</a:t>
+              <a:t>2021-04-01</a:t>
             </a:fld>
-            <a:endParaRPr lang="ko-KR" altLang="en-US"/>
+            <a:endParaRPr lang="ko-KR" altLang="en-US" dirty="0"/>
           </a:p>
         </p:txBody>
       </p:sp>
@@ -2528,7 +2531,7 @@
           <a:bodyPr/>
           <a:lstStyle/>
           <a:p>
-            <a:endParaRPr lang="ko-KR" altLang="en-US"/>
+            <a:endParaRPr lang="ko-KR" altLang="en-US" dirty="0"/>
           </a:p>
         </p:txBody>
       </p:sp>
@@ -2551,7 +2554,7 @@
               <a:rPr lang="ko-KR" altLang="en-US" smtClean="0"/>
               <a:t>‹#›</a:t>
             </a:fld>
-            <a:endParaRPr lang="ko-KR" altLang="en-US"/>
+            <a:endParaRPr lang="ko-KR" altLang="en-US" dirty="0"/>
           </a:p>
         </p:txBody>
       </p:sp>
@@ -2720,9 +2723,9 @@
           <a:p>
             <a:fld id="{F92C137F-DE92-4105-AD71-0D1862255491}" type="datetimeFigureOut">
               <a:rPr lang="ko-KR" altLang="en-US" smtClean="0"/>
-              <a:t>2021-03-29</a:t>
+              <a:t>2021-04-01</a:t>
             </a:fld>
-            <a:endParaRPr lang="ko-KR" altLang="en-US"/>
+            <a:endParaRPr lang="ko-KR" altLang="en-US" dirty="0"/>
           </a:p>
         </p:txBody>
       </p:sp>
@@ -2759,7 +2762,7 @@
             </a:lvl1pPr>
           </a:lstStyle>
           <a:p>
-            <a:endParaRPr lang="ko-KR" altLang="en-US"/>
+            <a:endParaRPr lang="ko-KR" altLang="en-US" dirty="0"/>
           </a:p>
         </p:txBody>
       </p:sp>
@@ -2800,7 +2803,7 @@
               <a:rPr lang="ko-KR" altLang="en-US" smtClean="0"/>
               <a:t>‹#›</a:t>
             </a:fld>
-            <a:endParaRPr lang="ko-KR" altLang="en-US"/>
+            <a:endParaRPr lang="ko-KR" altLang="en-US" dirty="0"/>
           </a:p>
         </p:txBody>
       </p:sp>
@@ -3548,7 +3551,7 @@
           <a:lstStyle/>
           <a:p>
             <a:pPr algn="ctr"/>
-            <a:endParaRPr lang="ko-KR" altLang="en-US"/>
+            <a:endParaRPr lang="ko-KR" altLang="en-US" dirty="0"/>
           </a:p>
         </p:txBody>
       </p:sp>
@@ -3595,7 +3598,7 @@
           <a:lstStyle/>
           <a:p>
             <a:pPr algn="ctr"/>
-            <a:endParaRPr lang="ko-KR" altLang="en-US"/>
+            <a:endParaRPr lang="ko-KR" altLang="en-US" dirty="0"/>
           </a:p>
         </p:txBody>
       </p:sp>
@@ -3642,7 +3645,7 @@
           <a:lstStyle/>
           <a:p>
             <a:pPr algn="ctr"/>
-            <a:endParaRPr lang="ko-KR" altLang="en-US"/>
+            <a:endParaRPr lang="ko-KR" altLang="en-US" dirty="0"/>
           </a:p>
         </p:txBody>
       </p:sp>
@@ -3753,7 +3756,7 @@
           <a:lstStyle/>
           <a:p>
             <a:pPr algn="ctr"/>
-            <a:endParaRPr lang="ko-KR" altLang="en-US"/>
+            <a:endParaRPr lang="ko-KR" altLang="en-US" dirty="0"/>
           </a:p>
         </p:txBody>
       </p:sp>
@@ -3800,7 +3803,7 @@
           <a:lstStyle/>
           <a:p>
             <a:pPr algn="ctr"/>
-            <a:endParaRPr lang="ko-KR" altLang="en-US"/>
+            <a:endParaRPr lang="ko-KR" altLang="en-US" dirty="0"/>
           </a:p>
         </p:txBody>
       </p:sp>
@@ -3847,7 +3850,7 @@
           <a:lstStyle/>
           <a:p>
             <a:pPr algn="ctr"/>
-            <a:endParaRPr lang="ko-KR" altLang="en-US"/>
+            <a:endParaRPr lang="ko-KR" altLang="en-US" dirty="0"/>
           </a:p>
         </p:txBody>
       </p:sp>
@@ -3894,7 +3897,7 @@
           <a:lstStyle/>
           <a:p>
             <a:pPr algn="ctr"/>
-            <a:endParaRPr lang="ko-KR" altLang="en-US"/>
+            <a:endParaRPr lang="ko-KR" altLang="en-US" dirty="0"/>
           </a:p>
         </p:txBody>
       </p:sp>
@@ -3941,7 +3944,7 @@
           <a:lstStyle/>
           <a:p>
             <a:pPr algn="ctr"/>
-            <a:endParaRPr lang="ko-KR" altLang="en-US"/>
+            <a:endParaRPr lang="ko-KR" altLang="en-US" dirty="0"/>
           </a:p>
         </p:txBody>
       </p:sp>
@@ -3988,7 +3991,7 @@
           <a:lstStyle/>
           <a:p>
             <a:pPr algn="ctr"/>
-            <a:endParaRPr lang="ko-KR" altLang="en-US"/>
+            <a:endParaRPr lang="ko-KR" altLang="en-US" dirty="0"/>
           </a:p>
         </p:txBody>
       </p:sp>
@@ -4223,7 +4226,7 @@
           <a:lstStyle/>
           <a:p>
             <a:pPr algn="ctr"/>
-            <a:endParaRPr lang="ko-KR" altLang="en-US"/>
+            <a:endParaRPr lang="ko-KR" altLang="en-US" dirty="0"/>
           </a:p>
         </p:txBody>
       </p:sp>
@@ -4270,7 +4273,7 @@
           <a:lstStyle/>
           <a:p>
             <a:pPr algn="ctr"/>
-            <a:endParaRPr lang="ko-KR" altLang="en-US"/>
+            <a:endParaRPr lang="ko-KR" altLang="en-US" dirty="0"/>
           </a:p>
         </p:txBody>
       </p:sp>
@@ -4317,7 +4320,7 @@
           <a:lstStyle/>
           <a:p>
             <a:pPr algn="ctr"/>
-            <a:endParaRPr lang="ko-KR" altLang="en-US"/>
+            <a:endParaRPr lang="ko-KR" altLang="en-US" dirty="0"/>
           </a:p>
         </p:txBody>
       </p:sp>
@@ -4364,7 +4367,7 @@
           <a:lstStyle/>
           <a:p>
             <a:pPr algn="ctr"/>
-            <a:endParaRPr lang="ko-KR" altLang="en-US"/>
+            <a:endParaRPr lang="ko-KR" altLang="en-US" dirty="0"/>
           </a:p>
         </p:txBody>
       </p:sp>
@@ -4475,7 +4478,7 @@
           <a:lstStyle/>
           <a:p>
             <a:pPr algn="ctr"/>
-            <a:endParaRPr lang="ko-KR" altLang="en-US"/>
+            <a:endParaRPr lang="ko-KR" altLang="en-US" dirty="0"/>
           </a:p>
         </p:txBody>
       </p:sp>
@@ -4522,7 +4525,7 @@
           <a:lstStyle/>
           <a:p>
             <a:pPr algn="ctr"/>
-            <a:endParaRPr lang="ko-KR" altLang="en-US"/>
+            <a:endParaRPr lang="ko-KR" altLang="en-US" dirty="0"/>
           </a:p>
         </p:txBody>
       </p:sp>
@@ -4629,14 +4632,14 @@
           <a:p>
             <a:pPr algn="ctr"/>
             <a:r>
-              <a:rPr lang="ko-KR" altLang="en-US" sz="1500" b="1" smtClean="0">
+              <a:rPr lang="ko-KR" altLang="en-US" sz="1500" b="1" dirty="0" smtClean="0">
                 <a:solidFill>
                   <a:srgbClr val="00B050"/>
                 </a:solidFill>
               </a:rPr>
               <a:t>왼쪽 테이블에만 존재</a:t>
             </a:r>
-            <a:endParaRPr lang="ko-KR" altLang="en-US" sz="1500" b="1">
+            <a:endParaRPr lang="ko-KR" altLang="en-US" sz="1500" b="1" dirty="0">
               <a:solidFill>
                 <a:srgbClr val="00B050"/>
               </a:solidFill>
@@ -4688,14 +4691,14 @@
           <a:p>
             <a:pPr algn="ctr"/>
             <a:r>
-              <a:rPr lang="ko-KR" altLang="en-US" sz="1500" b="1" smtClean="0">
+              <a:rPr lang="ko-KR" altLang="en-US" sz="1500" b="1" dirty="0" smtClean="0">
                 <a:solidFill>
                   <a:srgbClr val="7030A0"/>
                 </a:solidFill>
               </a:rPr>
               <a:t>오른쪽 테이블에만 존재</a:t>
             </a:r>
-            <a:endParaRPr lang="ko-KR" altLang="en-US" sz="1500" b="1">
+            <a:endParaRPr lang="ko-KR" altLang="en-US" sz="1500" b="1" dirty="0">
               <a:solidFill>
                 <a:srgbClr val="7030A0"/>
               </a:solidFill>
@@ -4934,7 +4937,7 @@
           <a:lstStyle/>
           <a:p>
             <a:pPr algn="ctr"/>
-            <a:endParaRPr lang="ko-KR" altLang="en-US"/>
+            <a:endParaRPr lang="ko-KR" altLang="en-US" dirty="0"/>
           </a:p>
         </p:txBody>
       </p:sp>
@@ -4981,7 +4984,7 @@
           <a:lstStyle/>
           <a:p>
             <a:pPr algn="ctr"/>
-            <a:endParaRPr lang="ko-KR" altLang="en-US"/>
+            <a:endParaRPr lang="ko-KR" altLang="en-US" dirty="0"/>
           </a:p>
         </p:txBody>
       </p:sp>
@@ -5028,7 +5031,7 @@
           <a:lstStyle/>
           <a:p>
             <a:pPr algn="ctr"/>
-            <a:endParaRPr lang="ko-KR" altLang="en-US"/>
+            <a:endParaRPr lang="ko-KR" altLang="en-US" dirty="0"/>
           </a:p>
         </p:txBody>
       </p:sp>
@@ -5075,7 +5078,7 @@
           <a:lstStyle/>
           <a:p>
             <a:pPr algn="ctr"/>
-            <a:endParaRPr lang="ko-KR" altLang="en-US"/>
+            <a:endParaRPr lang="ko-KR" altLang="en-US" dirty="0"/>
           </a:p>
         </p:txBody>
       </p:sp>
@@ -5186,7 +5189,7 @@
           <a:lstStyle/>
           <a:p>
             <a:pPr algn="ctr"/>
-            <a:endParaRPr lang="ko-KR" altLang="en-US"/>
+            <a:endParaRPr lang="ko-KR" altLang="en-US" dirty="0"/>
           </a:p>
         </p:txBody>
       </p:sp>
@@ -5233,7 +5236,7 @@
           <a:lstStyle/>
           <a:p>
             <a:pPr algn="ctr"/>
-            <a:endParaRPr lang="ko-KR" altLang="en-US"/>
+            <a:endParaRPr lang="ko-KR" altLang="en-US" dirty="0"/>
           </a:p>
         </p:txBody>
       </p:sp>
@@ -5280,7 +5283,7 @@
           <a:lstStyle/>
           <a:p>
             <a:pPr algn="ctr"/>
-            <a:endParaRPr lang="ko-KR" altLang="en-US"/>
+            <a:endParaRPr lang="ko-KR" altLang="en-US" dirty="0"/>
           </a:p>
         </p:txBody>
       </p:sp>
@@ -5579,7 +5582,7 @@
           <a:lstStyle/>
           <a:p>
             <a:pPr algn="ctr"/>
-            <a:endParaRPr lang="ko-KR" altLang="en-US"/>
+            <a:endParaRPr lang="ko-KR" altLang="en-US" dirty="0"/>
           </a:p>
         </p:txBody>
       </p:sp>
@@ -5626,7 +5629,7 @@
           <a:lstStyle/>
           <a:p>
             <a:pPr algn="ctr"/>
-            <a:endParaRPr lang="ko-KR" altLang="en-US"/>
+            <a:endParaRPr lang="ko-KR" altLang="en-US" dirty="0"/>
           </a:p>
         </p:txBody>
       </p:sp>
@@ -5673,7 +5676,7 @@
           <a:lstStyle/>
           <a:p>
             <a:pPr algn="ctr"/>
-            <a:endParaRPr lang="ko-KR" altLang="en-US"/>
+            <a:endParaRPr lang="ko-KR" altLang="en-US" dirty="0"/>
           </a:p>
         </p:txBody>
       </p:sp>
@@ -6316,6 +6319,4905 @@
     <p:extLst>
       <p:ext uri="{BB962C8B-B14F-4D97-AF65-F5344CB8AC3E}">
         <p14:creationId xmlns:p14="http://schemas.microsoft.com/office/powerpoint/2010/main" val="1093810038"/>
+      </p:ext>
+    </p:extLst>
+  </p:cSld>
+  <p:clrMapOvr>
+    <a:masterClrMapping/>
+  </p:clrMapOvr>
+</p:sld>
+</file>
+
+<file path=ppt/slides/slide2.xml><?xml version="1.0" encoding="utf-8"?>
+<p:sld xmlns:a="http://schemas.openxmlformats.org/drawingml/2006/main" xmlns:r="http://schemas.openxmlformats.org/officeDocument/2006/relationships" xmlns:p="http://schemas.openxmlformats.org/presentationml/2006/main">
+  <p:cSld>
+    <p:spTree>
+      <p:nvGrpSpPr>
+        <p:cNvPr id="1" name=""/>
+        <p:cNvGrpSpPr/>
+        <p:nvPr/>
+      </p:nvGrpSpPr>
+      <p:grpSpPr>
+        <a:xfrm>
+          <a:off x="0" y="0"/>
+          <a:ext cx="0" cy="0"/>
+          <a:chOff x="0" y="0"/>
+          <a:chExt cx="0" cy="0"/>
+        </a:xfrm>
+      </p:grpSpPr>
+      <p:cxnSp>
+        <p:nvCxnSpPr>
+          <p:cNvPr id="18" name="꺾인 연결선 17"/>
+          <p:cNvCxnSpPr/>
+          <p:nvPr/>
+        </p:nvCxnSpPr>
+        <p:spPr>
+          <a:xfrm flipV="1">
+            <a:off x="2531121" y="1243021"/>
+            <a:ext cx="1096813" cy="143780"/>
+          </a:xfrm>
+          <a:prstGeom prst="bentConnector3">
+            <a:avLst/>
+          </a:prstGeom>
+          <a:ln w="19050">
+            <a:solidFill>
+              <a:srgbClr val="00B050"/>
+            </a:solidFill>
+            <a:tailEnd type="arrow"/>
+          </a:ln>
+        </p:spPr>
+        <p:style>
+          <a:lnRef idx="1">
+            <a:schemeClr val="accent1"/>
+          </a:lnRef>
+          <a:fillRef idx="0">
+            <a:schemeClr val="accent1"/>
+          </a:fillRef>
+          <a:effectRef idx="0">
+            <a:schemeClr val="accent1"/>
+          </a:effectRef>
+          <a:fontRef idx="minor">
+            <a:schemeClr val="tx1"/>
+          </a:fontRef>
+        </p:style>
+      </p:cxnSp>
+      <p:cxnSp>
+        <p:nvCxnSpPr>
+          <p:cNvPr id="24" name="직선 화살표 연결선 23"/>
+          <p:cNvCxnSpPr/>
+          <p:nvPr/>
+        </p:nvCxnSpPr>
+        <p:spPr>
+          <a:xfrm>
+            <a:off x="2520802" y="1037521"/>
+            <a:ext cx="1080839" cy="1488"/>
+          </a:xfrm>
+          <a:prstGeom prst="straightConnector1">
+            <a:avLst/>
+          </a:prstGeom>
+          <a:ln w="19050">
+            <a:solidFill>
+              <a:srgbClr val="FF0000"/>
+            </a:solidFill>
+            <a:tailEnd type="arrow"/>
+          </a:ln>
+        </p:spPr>
+        <p:style>
+          <a:lnRef idx="1">
+            <a:schemeClr val="accent1"/>
+          </a:lnRef>
+          <a:fillRef idx="0">
+            <a:schemeClr val="accent1"/>
+          </a:fillRef>
+          <a:effectRef idx="0">
+            <a:schemeClr val="accent1"/>
+          </a:effectRef>
+          <a:fontRef idx="minor">
+            <a:schemeClr val="tx1"/>
+          </a:fontRef>
+        </p:style>
+      </p:cxnSp>
+      <p:sp>
+        <p:nvSpPr>
+          <p:cNvPr id="22" name="TextBox 21"/>
+          <p:cNvSpPr txBox="1"/>
+          <p:nvPr/>
+        </p:nvSpPr>
+        <p:spPr>
+          <a:xfrm>
+            <a:off x="2547814" y="453073"/>
+            <a:ext cx="1224136" cy="553998"/>
+          </a:xfrm>
+          <a:prstGeom prst="rect">
+            <a:avLst/>
+          </a:prstGeom>
+          <a:noFill/>
+        </p:spPr>
+        <p:txBody>
+          <a:bodyPr wrap="square" rtlCol="0">
+            <a:spAutoFit/>
+          </a:bodyPr>
+          <a:lstStyle/>
+          <a:p>
+            <a:r>
+              <a:rPr lang="ko-KR" altLang="en-US" sz="1500" b="1" dirty="0" smtClean="0">
+                <a:solidFill>
+                  <a:srgbClr val="FF0000"/>
+                </a:solidFill>
+              </a:rPr>
+              <a:t>이름별로</a:t>
+            </a:r>
+            <a:endParaRPr lang="en-US" altLang="ko-KR" sz="1500" b="1" dirty="0" smtClean="0">
+              <a:solidFill>
+                <a:srgbClr val="FF0000"/>
+              </a:solidFill>
+            </a:endParaRPr>
+          </a:p>
+          <a:p>
+            <a:r>
+              <a:rPr lang="ko-KR" altLang="en-US" sz="1500" b="1" dirty="0" smtClean="0">
+                <a:solidFill>
+                  <a:srgbClr val="FF0000"/>
+                </a:solidFill>
+              </a:rPr>
+              <a:t>평균 계산</a:t>
+            </a:r>
+            <a:endParaRPr lang="ko-KR" altLang="en-US" sz="1500" b="1" dirty="0">
+              <a:solidFill>
+                <a:srgbClr val="FF0000"/>
+              </a:solidFill>
+            </a:endParaRPr>
+          </a:p>
+        </p:txBody>
+      </p:sp>
+      <p:sp>
+        <p:nvSpPr>
+          <p:cNvPr id="36" name="TextBox 35"/>
+          <p:cNvSpPr txBox="1"/>
+          <p:nvPr/>
+        </p:nvSpPr>
+        <p:spPr>
+          <a:xfrm>
+            <a:off x="27534" y="260649"/>
+            <a:ext cx="2232248" cy="323165"/>
+          </a:xfrm>
+          <a:prstGeom prst="rect">
+            <a:avLst/>
+          </a:prstGeom>
+          <a:noFill/>
+        </p:spPr>
+        <p:txBody>
+          <a:bodyPr wrap="square" rtlCol="0">
+            <a:spAutoFit/>
+          </a:bodyPr>
+          <a:lstStyle/>
+          <a:p>
+            <a:pPr algn="ctr"/>
+            <a:r>
+              <a:rPr lang="en-US" altLang="ko-KR" sz="1500" b="1" smtClean="0"/>
+              <a:t>SCORE_LIST </a:t>
+            </a:r>
+            <a:r>
+              <a:rPr lang="ko-KR" altLang="en-US" sz="1500" b="1" dirty="0" smtClean="0"/>
+              <a:t>테이블</a:t>
+            </a:r>
+            <a:endParaRPr lang="ko-KR" altLang="en-US" sz="1500" b="1" dirty="0"/>
+          </a:p>
+        </p:txBody>
+      </p:sp>
+      <p:sp>
+        <p:nvSpPr>
+          <p:cNvPr id="37" name="TextBox 36"/>
+          <p:cNvSpPr txBox="1"/>
+          <p:nvPr/>
+        </p:nvSpPr>
+        <p:spPr>
+          <a:xfrm>
+            <a:off x="3699942" y="260648"/>
+            <a:ext cx="2232248" cy="323165"/>
+          </a:xfrm>
+          <a:prstGeom prst="rect">
+            <a:avLst/>
+          </a:prstGeom>
+          <a:noFill/>
+        </p:spPr>
+        <p:txBody>
+          <a:bodyPr wrap="square" rtlCol="0">
+            <a:spAutoFit/>
+          </a:bodyPr>
+          <a:lstStyle/>
+          <a:p>
+            <a:pPr algn="ctr"/>
+            <a:r>
+              <a:rPr lang="en-US" altLang="ko-KR" sz="1500" b="1" dirty="0" smtClean="0"/>
+              <a:t>GROUP BY </a:t>
+            </a:r>
+            <a:r>
+              <a:rPr lang="ko-KR" altLang="en-US" sz="1500" b="1" dirty="0" smtClean="0"/>
+              <a:t>결과</a:t>
+            </a:r>
+            <a:endParaRPr lang="ko-KR" altLang="en-US" sz="1500" b="1" dirty="0"/>
+          </a:p>
+        </p:txBody>
+      </p:sp>
+      <p:pic>
+        <p:nvPicPr>
+          <p:cNvPr id="1030" name="Picture 6"/>
+          <p:cNvPicPr>
+            <a:picLocks noChangeAspect="1" noChangeArrowheads="1"/>
+          </p:cNvPicPr>
+          <p:nvPr/>
+        </p:nvPicPr>
+        <p:blipFill>
+          <a:blip r:embed="rId2">
+            <a:extLst>
+              <a:ext uri="{28A0092B-C50C-407E-A947-70E740481C1C}">
+                <a14:useLocalDpi xmlns:a14="http://schemas.microsoft.com/office/drawing/2010/main" val="0"/>
+              </a:ext>
+            </a:extLst>
+          </a:blip>
+          <a:srcRect/>
+          <a:stretch>
+            <a:fillRect/>
+          </a:stretch>
+        </p:blipFill>
+        <p:spPr bwMode="auto">
+          <a:xfrm>
+            <a:off x="-252536" y="574114"/>
+            <a:ext cx="2800350" cy="1000125"/>
+          </a:xfrm>
+          <a:prstGeom prst="rect">
+            <a:avLst/>
+          </a:prstGeom>
+          <a:noFill/>
+          <a:ln>
+            <a:noFill/>
+          </a:ln>
+          <a:effectLst/>
+          <a:extLst>
+            <a:ext uri="{909E8E84-426E-40DD-AFC4-6F175D3DCCD1}">
+              <a14:hiddenFill xmlns:a14="http://schemas.microsoft.com/office/drawing/2010/main">
+                <a:solidFill>
+                  <a:schemeClr val="accent1"/>
+                </a:solidFill>
+              </a14:hiddenFill>
+            </a:ext>
+            <a:ext uri="{91240B29-F687-4F45-9708-019B960494DF}">
+              <a14:hiddenLine xmlns:a14="http://schemas.microsoft.com/office/drawing/2010/main" w="9525">
+                <a:solidFill>
+                  <a:schemeClr val="tx1"/>
+                </a:solidFill>
+                <a:miter lim="800000"/>
+                <a:headEnd/>
+                <a:tailEnd/>
+              </a14:hiddenLine>
+            </a:ext>
+            <a:ext uri="{AF507438-7753-43E0-B8FC-AC1667EBCBE1}">
+              <a14:hiddenEffects xmlns:a14="http://schemas.microsoft.com/office/drawing/2010/main">
+                <a:effectLst>
+                  <a:outerShdw dist="35921" dir="2700000" algn="ctr" rotWithShape="0">
+                    <a:schemeClr val="bg2"/>
+                  </a:outerShdw>
+                </a:effectLst>
+              </a14:hiddenEffects>
+            </a:ext>
+          </a:extLst>
+        </p:spPr>
+      </p:pic>
+      <p:sp>
+        <p:nvSpPr>
+          <p:cNvPr id="39" name="직사각형 38"/>
+          <p:cNvSpPr/>
+          <p:nvPr/>
+        </p:nvSpPr>
+        <p:spPr>
+          <a:xfrm>
+            <a:off x="891631" y="862881"/>
+            <a:ext cx="1629172" cy="349280"/>
+          </a:xfrm>
+          <a:prstGeom prst="rect">
+            <a:avLst/>
+          </a:prstGeom>
+          <a:noFill/>
+          <a:ln>
+            <a:solidFill>
+              <a:srgbClr val="FF0000"/>
+            </a:solidFill>
+            <a:prstDash val="sysDot"/>
+          </a:ln>
+        </p:spPr>
+        <p:style>
+          <a:lnRef idx="2">
+            <a:schemeClr val="accent1">
+              <a:shade val="50000"/>
+            </a:schemeClr>
+          </a:lnRef>
+          <a:fillRef idx="1">
+            <a:schemeClr val="accent1"/>
+          </a:fillRef>
+          <a:effectRef idx="0">
+            <a:schemeClr val="accent1"/>
+          </a:effectRef>
+          <a:fontRef idx="minor">
+            <a:schemeClr val="lt1"/>
+          </a:fontRef>
+        </p:style>
+        <p:txBody>
+          <a:bodyPr rtlCol="0" anchor="ctr"/>
+          <a:lstStyle/>
+          <a:p>
+            <a:pPr algn="ctr"/>
+            <a:endParaRPr lang="ko-KR" altLang="en-US" dirty="0"/>
+          </a:p>
+        </p:txBody>
+      </p:sp>
+      <p:sp>
+        <p:nvSpPr>
+          <p:cNvPr id="40" name="직사각형 39"/>
+          <p:cNvSpPr/>
+          <p:nvPr/>
+        </p:nvSpPr>
+        <p:spPr>
+          <a:xfrm>
+            <a:off x="891631" y="1212161"/>
+            <a:ext cx="1639490" cy="349280"/>
+          </a:xfrm>
+          <a:prstGeom prst="rect">
+            <a:avLst/>
+          </a:prstGeom>
+          <a:noFill/>
+          <a:ln>
+            <a:solidFill>
+              <a:srgbClr val="00B050"/>
+            </a:solidFill>
+            <a:prstDash val="sysDot"/>
+          </a:ln>
+        </p:spPr>
+        <p:style>
+          <a:lnRef idx="2">
+            <a:schemeClr val="accent1">
+              <a:shade val="50000"/>
+            </a:schemeClr>
+          </a:lnRef>
+          <a:fillRef idx="1">
+            <a:schemeClr val="accent1"/>
+          </a:fillRef>
+          <a:effectRef idx="0">
+            <a:schemeClr val="accent1"/>
+          </a:effectRef>
+          <a:fontRef idx="minor">
+            <a:schemeClr val="lt1"/>
+          </a:fontRef>
+        </p:style>
+        <p:txBody>
+          <a:bodyPr rtlCol="0" anchor="ctr"/>
+          <a:lstStyle/>
+          <a:p>
+            <a:pPr algn="ctr"/>
+            <a:endParaRPr lang="ko-KR" altLang="en-US" dirty="0"/>
+          </a:p>
+        </p:txBody>
+      </p:sp>
+      <p:pic>
+        <p:nvPicPr>
+          <p:cNvPr id="1031" name="Picture 7"/>
+          <p:cNvPicPr>
+            <a:picLocks noChangeAspect="1" noChangeArrowheads="1"/>
+          </p:cNvPicPr>
+          <p:nvPr/>
+        </p:nvPicPr>
+        <p:blipFill>
+          <a:blip r:embed="rId3">
+            <a:extLst>
+              <a:ext uri="{28A0092B-C50C-407E-A947-70E740481C1C}">
+                <a14:useLocalDpi xmlns:a14="http://schemas.microsoft.com/office/drawing/2010/main" val="0"/>
+              </a:ext>
+            </a:extLst>
+          </a:blip>
+          <a:srcRect/>
+          <a:stretch>
+            <a:fillRect/>
+          </a:stretch>
+        </p:blipFill>
+        <p:spPr bwMode="auto">
+          <a:xfrm>
+            <a:off x="3698007" y="701119"/>
+            <a:ext cx="2162175" cy="609600"/>
+          </a:xfrm>
+          <a:prstGeom prst="rect">
+            <a:avLst/>
+          </a:prstGeom>
+          <a:noFill/>
+          <a:ln>
+            <a:noFill/>
+          </a:ln>
+          <a:effectLst/>
+          <a:extLst>
+            <a:ext uri="{909E8E84-426E-40DD-AFC4-6F175D3DCCD1}">
+              <a14:hiddenFill xmlns:a14="http://schemas.microsoft.com/office/drawing/2010/main">
+                <a:solidFill>
+                  <a:schemeClr val="accent1"/>
+                </a:solidFill>
+              </a14:hiddenFill>
+            </a:ext>
+            <a:ext uri="{91240B29-F687-4F45-9708-019B960494DF}">
+              <a14:hiddenLine xmlns:a14="http://schemas.microsoft.com/office/drawing/2010/main" w="9525">
+                <a:solidFill>
+                  <a:schemeClr val="tx1"/>
+                </a:solidFill>
+                <a:miter lim="800000"/>
+                <a:headEnd/>
+                <a:tailEnd/>
+              </a14:hiddenLine>
+            </a:ext>
+            <a:ext uri="{AF507438-7753-43E0-B8FC-AC1667EBCBE1}">
+              <a14:hiddenEffects xmlns:a14="http://schemas.microsoft.com/office/drawing/2010/main">
+                <a:effectLst>
+                  <a:outerShdw dist="35921" dir="2700000" algn="ctr" rotWithShape="0">
+                    <a:schemeClr val="bg2"/>
+                  </a:outerShdw>
+                </a:effectLst>
+              </a14:hiddenEffects>
+            </a:ext>
+          </a:extLst>
+        </p:spPr>
+      </p:pic>
+      <p:sp>
+        <p:nvSpPr>
+          <p:cNvPr id="42" name="직사각형 41"/>
+          <p:cNvSpPr/>
+          <p:nvPr/>
+        </p:nvSpPr>
+        <p:spPr>
+          <a:xfrm>
+            <a:off x="3986808" y="957992"/>
+            <a:ext cx="1855093" cy="174640"/>
+          </a:xfrm>
+          <a:prstGeom prst="rect">
+            <a:avLst/>
+          </a:prstGeom>
+          <a:noFill/>
+          <a:ln>
+            <a:solidFill>
+              <a:srgbClr val="FF0000"/>
+            </a:solidFill>
+            <a:prstDash val="sysDot"/>
+          </a:ln>
+        </p:spPr>
+        <p:style>
+          <a:lnRef idx="2">
+            <a:schemeClr val="accent1">
+              <a:shade val="50000"/>
+            </a:schemeClr>
+          </a:lnRef>
+          <a:fillRef idx="1">
+            <a:schemeClr val="accent1"/>
+          </a:fillRef>
+          <a:effectRef idx="0">
+            <a:schemeClr val="accent1"/>
+          </a:effectRef>
+          <a:fontRef idx="minor">
+            <a:schemeClr val="lt1"/>
+          </a:fontRef>
+        </p:style>
+        <p:txBody>
+          <a:bodyPr rtlCol="0" anchor="ctr"/>
+          <a:lstStyle/>
+          <a:p>
+            <a:pPr algn="ctr"/>
+            <a:endParaRPr lang="ko-KR" altLang="en-US" dirty="0"/>
+          </a:p>
+        </p:txBody>
+      </p:sp>
+      <p:sp>
+        <p:nvSpPr>
+          <p:cNvPr id="43" name="직사각형 42"/>
+          <p:cNvSpPr/>
+          <p:nvPr/>
+        </p:nvSpPr>
+        <p:spPr>
+          <a:xfrm>
+            <a:off x="3986808" y="1132632"/>
+            <a:ext cx="1855093" cy="182279"/>
+          </a:xfrm>
+          <a:prstGeom prst="rect">
+            <a:avLst/>
+          </a:prstGeom>
+          <a:noFill/>
+          <a:ln>
+            <a:solidFill>
+              <a:srgbClr val="00B050"/>
+            </a:solidFill>
+            <a:prstDash val="sysDot"/>
+          </a:ln>
+        </p:spPr>
+        <p:style>
+          <a:lnRef idx="2">
+            <a:schemeClr val="accent1">
+              <a:shade val="50000"/>
+            </a:schemeClr>
+          </a:lnRef>
+          <a:fillRef idx="1">
+            <a:schemeClr val="accent1"/>
+          </a:fillRef>
+          <a:effectRef idx="0">
+            <a:schemeClr val="accent1"/>
+          </a:effectRef>
+          <a:fontRef idx="minor">
+            <a:schemeClr val="lt1"/>
+          </a:fontRef>
+        </p:style>
+        <p:txBody>
+          <a:bodyPr rtlCol="0" anchor="ctr"/>
+          <a:lstStyle/>
+          <a:p>
+            <a:pPr algn="ctr"/>
+            <a:endParaRPr lang="ko-KR" altLang="en-US" dirty="0"/>
+          </a:p>
+        </p:txBody>
+      </p:sp>
+      <p:sp>
+        <p:nvSpPr>
+          <p:cNvPr id="44" name="TextBox 43"/>
+          <p:cNvSpPr txBox="1"/>
+          <p:nvPr/>
+        </p:nvSpPr>
+        <p:spPr>
+          <a:xfrm>
+            <a:off x="6732240" y="250949"/>
+            <a:ext cx="2232248" cy="323165"/>
+          </a:xfrm>
+          <a:prstGeom prst="rect">
+            <a:avLst/>
+          </a:prstGeom>
+          <a:noFill/>
+        </p:spPr>
+        <p:txBody>
+          <a:bodyPr wrap="square" rtlCol="0">
+            <a:spAutoFit/>
+          </a:bodyPr>
+          <a:lstStyle/>
+          <a:p>
+            <a:pPr algn="ctr"/>
+            <a:r>
+              <a:rPr lang="en-US" altLang="ko-KR" sz="1500" b="1" dirty="0" smtClean="0"/>
+              <a:t>Having </a:t>
+            </a:r>
+            <a:r>
+              <a:rPr lang="ko-KR" altLang="en-US" sz="1500" b="1" dirty="0" smtClean="0"/>
+              <a:t>결과</a:t>
+            </a:r>
+            <a:endParaRPr lang="ko-KR" altLang="en-US" sz="1500" b="1" dirty="0"/>
+          </a:p>
+        </p:txBody>
+      </p:sp>
+      <p:pic>
+        <p:nvPicPr>
+          <p:cNvPr id="1033" name="Picture 9"/>
+          <p:cNvPicPr>
+            <a:picLocks noChangeAspect="1" noChangeArrowheads="1"/>
+          </p:cNvPicPr>
+          <p:nvPr/>
+        </p:nvPicPr>
+        <p:blipFill>
+          <a:blip r:embed="rId4">
+            <a:extLst>
+              <a:ext uri="{28A0092B-C50C-407E-A947-70E740481C1C}">
+                <a14:useLocalDpi xmlns:a14="http://schemas.microsoft.com/office/drawing/2010/main" val="0"/>
+              </a:ext>
+            </a:extLst>
+          </a:blip>
+          <a:srcRect/>
+          <a:stretch>
+            <a:fillRect/>
+          </a:stretch>
+        </p:blipFill>
+        <p:spPr bwMode="auto">
+          <a:xfrm>
+            <a:off x="6845746" y="720502"/>
+            <a:ext cx="2190750" cy="476250"/>
+          </a:xfrm>
+          <a:prstGeom prst="rect">
+            <a:avLst/>
+          </a:prstGeom>
+          <a:noFill/>
+          <a:ln>
+            <a:noFill/>
+          </a:ln>
+          <a:effectLst/>
+          <a:extLst>
+            <a:ext uri="{909E8E84-426E-40DD-AFC4-6F175D3DCCD1}">
+              <a14:hiddenFill xmlns:a14="http://schemas.microsoft.com/office/drawing/2010/main">
+                <a:solidFill>
+                  <a:schemeClr val="accent1"/>
+                </a:solidFill>
+              </a14:hiddenFill>
+            </a:ext>
+            <a:ext uri="{91240B29-F687-4F45-9708-019B960494DF}">
+              <a14:hiddenLine xmlns:a14="http://schemas.microsoft.com/office/drawing/2010/main" w="9525">
+                <a:solidFill>
+                  <a:schemeClr val="tx1"/>
+                </a:solidFill>
+                <a:miter lim="800000"/>
+                <a:headEnd/>
+                <a:tailEnd/>
+              </a14:hiddenLine>
+            </a:ext>
+            <a:ext uri="{AF507438-7753-43E0-B8FC-AC1667EBCBE1}">
+              <a14:hiddenEffects xmlns:a14="http://schemas.microsoft.com/office/drawing/2010/main">
+                <a:effectLst>
+                  <a:outerShdw dist="35921" dir="2700000" algn="ctr" rotWithShape="0">
+                    <a:schemeClr val="bg2"/>
+                  </a:outerShdw>
+                </a:effectLst>
+              </a14:hiddenEffects>
+            </a:ext>
+          </a:extLst>
+        </p:spPr>
+      </p:pic>
+      <p:cxnSp>
+        <p:nvCxnSpPr>
+          <p:cNvPr id="47" name="직선 화살표 연결선 46"/>
+          <p:cNvCxnSpPr/>
+          <p:nvPr/>
+        </p:nvCxnSpPr>
+        <p:spPr>
+          <a:xfrm flipV="1">
+            <a:off x="5841901" y="1038225"/>
+            <a:ext cx="949424" cy="0"/>
+          </a:xfrm>
+          <a:prstGeom prst="straightConnector1">
+            <a:avLst/>
+          </a:prstGeom>
+          <a:ln w="19050">
+            <a:solidFill>
+              <a:srgbClr val="FF0000"/>
+            </a:solidFill>
+            <a:tailEnd type="arrow"/>
+          </a:ln>
+        </p:spPr>
+        <p:style>
+          <a:lnRef idx="1">
+            <a:schemeClr val="accent1"/>
+          </a:lnRef>
+          <a:fillRef idx="0">
+            <a:schemeClr val="accent1"/>
+          </a:fillRef>
+          <a:effectRef idx="0">
+            <a:schemeClr val="accent1"/>
+          </a:effectRef>
+          <a:fontRef idx="minor">
+            <a:schemeClr val="tx1"/>
+          </a:fontRef>
+        </p:style>
+      </p:cxnSp>
+      <p:sp>
+        <p:nvSpPr>
+          <p:cNvPr id="50" name="TextBox 49"/>
+          <p:cNvSpPr txBox="1"/>
+          <p:nvPr/>
+        </p:nvSpPr>
+        <p:spPr>
+          <a:xfrm>
+            <a:off x="5881538" y="491314"/>
+            <a:ext cx="1282749" cy="553998"/>
+          </a:xfrm>
+          <a:prstGeom prst="rect">
+            <a:avLst/>
+          </a:prstGeom>
+          <a:noFill/>
+        </p:spPr>
+        <p:txBody>
+          <a:bodyPr wrap="square" rtlCol="0">
+            <a:spAutoFit/>
+          </a:bodyPr>
+          <a:lstStyle/>
+          <a:p>
+            <a:r>
+              <a:rPr lang="en-US" altLang="ko-KR" sz="1500" b="1" dirty="0" smtClean="0">
+                <a:solidFill>
+                  <a:srgbClr val="FF0000"/>
+                </a:solidFill>
+              </a:rPr>
+              <a:t>94</a:t>
+            </a:r>
+            <a:r>
+              <a:rPr lang="ko-KR" altLang="en-US" sz="1500" b="1" dirty="0" smtClean="0">
+                <a:solidFill>
+                  <a:srgbClr val="FF0000"/>
+                </a:solidFill>
+              </a:rPr>
+              <a:t>점 이상만 출력</a:t>
+            </a:r>
+            <a:endParaRPr lang="ko-KR" altLang="en-US" sz="1500" b="1" dirty="0">
+              <a:solidFill>
+                <a:srgbClr val="FF0000"/>
+              </a:solidFill>
+            </a:endParaRPr>
+          </a:p>
+        </p:txBody>
+      </p:sp>
+      <p:sp>
+        <p:nvSpPr>
+          <p:cNvPr id="2" name="직사각형 1"/>
+          <p:cNvSpPr/>
+          <p:nvPr/>
+        </p:nvSpPr>
+        <p:spPr>
+          <a:xfrm>
+            <a:off x="-8234" y="2125506"/>
+            <a:ext cx="4572000" cy="2585323"/>
+          </a:xfrm>
+          <a:prstGeom prst="rect">
+            <a:avLst/>
+          </a:prstGeom>
+        </p:spPr>
+        <p:txBody>
+          <a:bodyPr>
+            <a:spAutoFit/>
+          </a:bodyPr>
+          <a:lstStyle/>
+          <a:p>
+            <a:r>
+              <a:rPr lang="en-US" altLang="ko-KR" b="1" dirty="0">
+                <a:solidFill>
+                  <a:srgbClr val="00B0F0"/>
+                </a:solidFill>
+              </a:rPr>
+              <a:t>SELECT</a:t>
+            </a:r>
+            <a:r>
+              <a:rPr lang="en-US" altLang="ko-KR" b="1" dirty="0"/>
+              <a:t> SUBJECT, NAME, AVG(SCORE) </a:t>
+            </a:r>
+            <a:r>
+              <a:rPr lang="en-US" altLang="ko-KR" b="1" dirty="0">
+                <a:solidFill>
+                  <a:srgbClr val="00B0F0"/>
+                </a:solidFill>
+              </a:rPr>
+              <a:t>FROM</a:t>
+            </a:r>
+            <a:r>
+              <a:rPr lang="en-US" altLang="ko-KR" b="1" dirty="0"/>
+              <a:t> SCORELIST</a:t>
+            </a:r>
+          </a:p>
+          <a:p>
+            <a:r>
+              <a:rPr lang="en-US" altLang="ko-KR" b="1" dirty="0">
+                <a:solidFill>
+                  <a:srgbClr val="00B0F0"/>
+                </a:solidFill>
+              </a:rPr>
+              <a:t>GROUP BY </a:t>
+            </a:r>
+          </a:p>
+          <a:p>
+            <a:r>
+              <a:rPr lang="en-US" altLang="ko-KR" b="1" dirty="0">
+                <a:solidFill>
+                  <a:srgbClr val="00B0F0"/>
+                </a:solidFill>
+              </a:rPr>
+              <a:t>GROUPING SETS</a:t>
+            </a:r>
+            <a:r>
+              <a:rPr lang="en-US" altLang="ko-KR" b="1" dirty="0"/>
+              <a:t>( </a:t>
+            </a:r>
+            <a:endParaRPr lang="en-US" altLang="ko-KR" b="1" dirty="0" smtClean="0"/>
+          </a:p>
+          <a:p>
+            <a:pPr marL="0" lvl="1"/>
+            <a:r>
+              <a:rPr lang="en-US" altLang="ko-KR" b="1" dirty="0" smtClean="0"/>
+              <a:t>      (),</a:t>
+            </a:r>
+            <a:endParaRPr lang="en-US" altLang="ko-KR" b="1" dirty="0"/>
+          </a:p>
+          <a:p>
+            <a:pPr lvl="1"/>
+            <a:r>
+              <a:rPr lang="en-US" altLang="ko-KR" b="1" dirty="0"/>
+              <a:t>(SUBJECT, NAME),</a:t>
+            </a:r>
+          </a:p>
+          <a:p>
+            <a:pPr lvl="1"/>
+            <a:r>
+              <a:rPr lang="en-US" altLang="ko-KR" b="1" dirty="0"/>
+              <a:t>SUBJECT,</a:t>
+            </a:r>
+          </a:p>
+          <a:p>
+            <a:pPr lvl="1"/>
+            <a:r>
+              <a:rPr lang="en-US" altLang="ko-KR" b="1" dirty="0"/>
+              <a:t>NAME,</a:t>
+            </a:r>
+          </a:p>
+          <a:p>
+            <a:r>
+              <a:rPr lang="en-US" altLang="ko-KR" b="1" dirty="0" smtClean="0"/>
+              <a:t>)</a:t>
+            </a:r>
+            <a:endParaRPr lang="en-US" altLang="ko-KR" b="1" dirty="0"/>
+          </a:p>
+        </p:txBody>
+      </p:sp>
+      <p:pic>
+        <p:nvPicPr>
+          <p:cNvPr id="1026" name="Picture 2"/>
+          <p:cNvPicPr>
+            <a:picLocks noChangeAspect="1" noChangeArrowheads="1"/>
+          </p:cNvPicPr>
+          <p:nvPr/>
+        </p:nvPicPr>
+        <p:blipFill>
+          <a:blip r:embed="rId5">
+            <a:extLst>
+              <a:ext uri="{28A0092B-C50C-407E-A947-70E740481C1C}">
+                <a14:useLocalDpi xmlns:a14="http://schemas.microsoft.com/office/drawing/2010/main" val="0"/>
+              </a:ext>
+            </a:extLst>
+          </a:blip>
+          <a:srcRect/>
+          <a:stretch>
+            <a:fillRect/>
+          </a:stretch>
+        </p:blipFill>
+        <p:spPr bwMode="auto">
+          <a:xfrm>
+            <a:off x="5360640" y="2299732"/>
+            <a:ext cx="3379404" cy="2311606"/>
+          </a:xfrm>
+          <a:prstGeom prst="rect">
+            <a:avLst/>
+          </a:prstGeom>
+          <a:noFill/>
+          <a:ln>
+            <a:noFill/>
+          </a:ln>
+          <a:effectLst/>
+          <a:extLst>
+            <a:ext uri="{909E8E84-426E-40DD-AFC4-6F175D3DCCD1}">
+              <a14:hiddenFill xmlns:a14="http://schemas.microsoft.com/office/drawing/2010/main">
+                <a:solidFill>
+                  <a:schemeClr val="accent1"/>
+                </a:solidFill>
+              </a14:hiddenFill>
+            </a:ext>
+            <a:ext uri="{91240B29-F687-4F45-9708-019B960494DF}">
+              <a14:hiddenLine xmlns:a14="http://schemas.microsoft.com/office/drawing/2010/main" w="9525">
+                <a:solidFill>
+                  <a:schemeClr val="tx1"/>
+                </a:solidFill>
+                <a:miter lim="800000"/>
+                <a:headEnd/>
+                <a:tailEnd/>
+              </a14:hiddenLine>
+            </a:ext>
+            <a:ext uri="{AF507438-7753-43E0-B8FC-AC1667EBCBE1}">
+              <a14:hiddenEffects xmlns:a14="http://schemas.microsoft.com/office/drawing/2010/main">
+                <a:effectLst>
+                  <a:outerShdw dist="35921" dir="2700000" algn="ctr" rotWithShape="0">
+                    <a:schemeClr val="bg2"/>
+                  </a:outerShdw>
+                </a:effectLst>
+              </a14:hiddenEffects>
+            </a:ext>
+          </a:extLst>
+        </p:spPr>
+      </p:pic>
+      <p:cxnSp>
+        <p:nvCxnSpPr>
+          <p:cNvPr id="19" name="꺾인 연결선 18"/>
+          <p:cNvCxnSpPr>
+            <a:stCxn id="25" idx="3"/>
+            <a:endCxn id="30" idx="1"/>
+          </p:cNvCxnSpPr>
+          <p:nvPr/>
+        </p:nvCxnSpPr>
+        <p:spPr>
+          <a:xfrm flipV="1">
+            <a:off x="966639" y="2761794"/>
+            <a:ext cx="4394001" cy="656373"/>
+          </a:xfrm>
+          <a:prstGeom prst="bentConnector3">
+            <a:avLst/>
+          </a:prstGeom>
+          <a:ln w="19050">
+            <a:solidFill>
+              <a:srgbClr val="FF0000"/>
+            </a:solidFill>
+            <a:tailEnd type="arrow"/>
+          </a:ln>
+        </p:spPr>
+        <p:style>
+          <a:lnRef idx="1">
+            <a:schemeClr val="accent1"/>
+          </a:lnRef>
+          <a:fillRef idx="0">
+            <a:schemeClr val="accent1"/>
+          </a:fillRef>
+          <a:effectRef idx="0">
+            <a:schemeClr val="accent1"/>
+          </a:effectRef>
+          <a:fontRef idx="minor">
+            <a:schemeClr val="tx1"/>
+          </a:fontRef>
+        </p:style>
+      </p:cxnSp>
+      <p:sp>
+        <p:nvSpPr>
+          <p:cNvPr id="21" name="TextBox 20"/>
+          <p:cNvSpPr txBox="1"/>
+          <p:nvPr/>
+        </p:nvSpPr>
+        <p:spPr>
+          <a:xfrm>
+            <a:off x="3779912" y="2745795"/>
+            <a:ext cx="2057883" cy="323165"/>
+          </a:xfrm>
+          <a:prstGeom prst="rect">
+            <a:avLst/>
+          </a:prstGeom>
+          <a:noFill/>
+        </p:spPr>
+        <p:txBody>
+          <a:bodyPr wrap="square" rtlCol="0">
+            <a:spAutoFit/>
+          </a:bodyPr>
+          <a:lstStyle/>
+          <a:p>
+            <a:r>
+              <a:rPr lang="ko-KR" altLang="en-US" sz="1500" b="1" dirty="0" smtClean="0">
+                <a:solidFill>
+                  <a:srgbClr val="FF0000"/>
+                </a:solidFill>
+              </a:rPr>
+              <a:t>전체 평균 출력</a:t>
+            </a:r>
+            <a:endParaRPr lang="ko-KR" altLang="en-US" sz="1500" b="1" dirty="0">
+              <a:solidFill>
+                <a:srgbClr val="FF0000"/>
+              </a:solidFill>
+            </a:endParaRPr>
+          </a:p>
+        </p:txBody>
+      </p:sp>
+      <p:cxnSp>
+        <p:nvCxnSpPr>
+          <p:cNvPr id="23" name="꺾인 연결선 22"/>
+          <p:cNvCxnSpPr>
+            <a:stCxn id="26" idx="3"/>
+            <a:endCxn id="31" idx="1"/>
+          </p:cNvCxnSpPr>
+          <p:nvPr/>
+        </p:nvCxnSpPr>
+        <p:spPr>
+          <a:xfrm flipV="1">
+            <a:off x="2621790" y="3302283"/>
+            <a:ext cx="2738850" cy="399370"/>
+          </a:xfrm>
+          <a:prstGeom prst="bentConnector3">
+            <a:avLst/>
+          </a:prstGeom>
+          <a:ln w="19050">
+            <a:solidFill>
+              <a:srgbClr val="FF0000"/>
+            </a:solidFill>
+            <a:tailEnd type="arrow"/>
+          </a:ln>
+        </p:spPr>
+        <p:style>
+          <a:lnRef idx="1">
+            <a:schemeClr val="accent1"/>
+          </a:lnRef>
+          <a:fillRef idx="0">
+            <a:schemeClr val="accent1"/>
+          </a:fillRef>
+          <a:effectRef idx="0">
+            <a:schemeClr val="accent1"/>
+          </a:effectRef>
+          <a:fontRef idx="minor">
+            <a:schemeClr val="tx1"/>
+          </a:fontRef>
+        </p:style>
+      </p:cxnSp>
+      <p:sp>
+        <p:nvSpPr>
+          <p:cNvPr id="25" name="직사각형 24"/>
+          <p:cNvSpPr/>
+          <p:nvPr/>
+        </p:nvSpPr>
+        <p:spPr>
+          <a:xfrm>
+            <a:off x="484211" y="3265767"/>
+            <a:ext cx="482428" cy="304800"/>
+          </a:xfrm>
+          <a:prstGeom prst="rect">
+            <a:avLst/>
+          </a:prstGeom>
+          <a:noFill/>
+          <a:ln>
+            <a:solidFill>
+              <a:srgbClr val="FF0000"/>
+            </a:solidFill>
+            <a:prstDash val="sysDot"/>
+          </a:ln>
+        </p:spPr>
+        <p:style>
+          <a:lnRef idx="2">
+            <a:schemeClr val="accent1">
+              <a:shade val="50000"/>
+            </a:schemeClr>
+          </a:lnRef>
+          <a:fillRef idx="1">
+            <a:schemeClr val="accent1"/>
+          </a:fillRef>
+          <a:effectRef idx="0">
+            <a:schemeClr val="accent1"/>
+          </a:effectRef>
+          <a:fontRef idx="minor">
+            <a:schemeClr val="lt1"/>
+          </a:fontRef>
+        </p:style>
+        <p:txBody>
+          <a:bodyPr rtlCol="0" anchor="ctr"/>
+          <a:lstStyle/>
+          <a:p>
+            <a:pPr algn="ctr"/>
+            <a:endParaRPr lang="ko-KR" altLang="en-US" dirty="0"/>
+          </a:p>
+        </p:txBody>
+      </p:sp>
+      <p:sp>
+        <p:nvSpPr>
+          <p:cNvPr id="26" name="직사각형 25"/>
+          <p:cNvSpPr/>
+          <p:nvPr/>
+        </p:nvSpPr>
+        <p:spPr>
+          <a:xfrm>
+            <a:off x="474540" y="3569493"/>
+            <a:ext cx="2147250" cy="264319"/>
+          </a:xfrm>
+          <a:prstGeom prst="rect">
+            <a:avLst/>
+          </a:prstGeom>
+          <a:noFill/>
+          <a:ln>
+            <a:solidFill>
+              <a:srgbClr val="FF0000"/>
+            </a:solidFill>
+            <a:prstDash val="sysDot"/>
+          </a:ln>
+        </p:spPr>
+        <p:style>
+          <a:lnRef idx="2">
+            <a:schemeClr val="accent1">
+              <a:shade val="50000"/>
+            </a:schemeClr>
+          </a:lnRef>
+          <a:fillRef idx="1">
+            <a:schemeClr val="accent1"/>
+          </a:fillRef>
+          <a:effectRef idx="0">
+            <a:schemeClr val="accent1"/>
+          </a:effectRef>
+          <a:fontRef idx="minor">
+            <a:schemeClr val="lt1"/>
+          </a:fontRef>
+        </p:style>
+        <p:txBody>
+          <a:bodyPr rtlCol="0" anchor="ctr"/>
+          <a:lstStyle/>
+          <a:p>
+            <a:pPr algn="ctr"/>
+            <a:endParaRPr lang="ko-KR" altLang="en-US" dirty="0"/>
+          </a:p>
+        </p:txBody>
+      </p:sp>
+      <p:sp>
+        <p:nvSpPr>
+          <p:cNvPr id="27" name="직사각형 26"/>
+          <p:cNvSpPr/>
+          <p:nvPr/>
+        </p:nvSpPr>
+        <p:spPr>
+          <a:xfrm>
+            <a:off x="488826" y="3836194"/>
+            <a:ext cx="1145131" cy="255051"/>
+          </a:xfrm>
+          <a:prstGeom prst="rect">
+            <a:avLst/>
+          </a:prstGeom>
+          <a:noFill/>
+          <a:ln>
+            <a:solidFill>
+              <a:srgbClr val="FF0000"/>
+            </a:solidFill>
+            <a:prstDash val="sysDot"/>
+          </a:ln>
+        </p:spPr>
+        <p:style>
+          <a:lnRef idx="2">
+            <a:schemeClr val="accent1">
+              <a:shade val="50000"/>
+            </a:schemeClr>
+          </a:lnRef>
+          <a:fillRef idx="1">
+            <a:schemeClr val="accent1"/>
+          </a:fillRef>
+          <a:effectRef idx="0">
+            <a:schemeClr val="accent1"/>
+          </a:effectRef>
+          <a:fontRef idx="minor">
+            <a:schemeClr val="lt1"/>
+          </a:fontRef>
+        </p:style>
+        <p:txBody>
+          <a:bodyPr rtlCol="0" anchor="ctr"/>
+          <a:lstStyle/>
+          <a:p>
+            <a:pPr algn="ctr"/>
+            <a:endParaRPr lang="ko-KR" altLang="en-US" dirty="0"/>
+          </a:p>
+        </p:txBody>
+      </p:sp>
+      <p:sp>
+        <p:nvSpPr>
+          <p:cNvPr id="28" name="직사각형 27"/>
+          <p:cNvSpPr/>
+          <p:nvPr/>
+        </p:nvSpPr>
+        <p:spPr>
+          <a:xfrm>
+            <a:off x="479303" y="4091245"/>
+            <a:ext cx="1145130" cy="243886"/>
+          </a:xfrm>
+          <a:prstGeom prst="rect">
+            <a:avLst/>
+          </a:prstGeom>
+          <a:noFill/>
+          <a:ln>
+            <a:solidFill>
+              <a:srgbClr val="FF0000"/>
+            </a:solidFill>
+            <a:prstDash val="sysDot"/>
+          </a:ln>
+        </p:spPr>
+        <p:style>
+          <a:lnRef idx="2">
+            <a:schemeClr val="accent1">
+              <a:shade val="50000"/>
+            </a:schemeClr>
+          </a:lnRef>
+          <a:fillRef idx="1">
+            <a:schemeClr val="accent1"/>
+          </a:fillRef>
+          <a:effectRef idx="0">
+            <a:schemeClr val="accent1"/>
+          </a:effectRef>
+          <a:fontRef idx="minor">
+            <a:schemeClr val="lt1"/>
+          </a:fontRef>
+        </p:style>
+        <p:txBody>
+          <a:bodyPr rtlCol="0" anchor="ctr"/>
+          <a:lstStyle/>
+          <a:p>
+            <a:pPr algn="ctr"/>
+            <a:endParaRPr lang="ko-KR" altLang="en-US" dirty="0"/>
+          </a:p>
+        </p:txBody>
+      </p:sp>
+      <p:sp>
+        <p:nvSpPr>
+          <p:cNvPr id="29" name="TextBox 28"/>
+          <p:cNvSpPr txBox="1"/>
+          <p:nvPr/>
+        </p:nvSpPr>
+        <p:spPr>
+          <a:xfrm>
+            <a:off x="4026285" y="3307050"/>
+            <a:ext cx="2057883" cy="553998"/>
+          </a:xfrm>
+          <a:prstGeom prst="rect">
+            <a:avLst/>
+          </a:prstGeom>
+          <a:noFill/>
+        </p:spPr>
+        <p:txBody>
+          <a:bodyPr wrap="square" rtlCol="0">
+            <a:spAutoFit/>
+          </a:bodyPr>
+          <a:lstStyle/>
+          <a:p>
+            <a:r>
+              <a:rPr lang="ko-KR" altLang="en-US" sz="1500" b="1" dirty="0" smtClean="0">
+                <a:solidFill>
+                  <a:srgbClr val="FF0000"/>
+                </a:solidFill>
+              </a:rPr>
+              <a:t>과목</a:t>
+            </a:r>
+            <a:r>
+              <a:rPr lang="en-US" altLang="ko-KR" sz="1500" b="1" dirty="0" smtClean="0">
+                <a:solidFill>
+                  <a:srgbClr val="FF0000"/>
+                </a:solidFill>
+              </a:rPr>
+              <a:t>, </a:t>
+            </a:r>
+            <a:r>
+              <a:rPr lang="ko-KR" altLang="en-US" sz="1500" b="1" dirty="0" err="1" smtClean="0">
+                <a:solidFill>
+                  <a:srgbClr val="FF0000"/>
+                </a:solidFill>
+              </a:rPr>
+              <a:t>이름별</a:t>
+            </a:r>
+            <a:r>
+              <a:rPr lang="ko-KR" altLang="en-US" sz="1500" b="1" dirty="0" smtClean="0">
+                <a:solidFill>
+                  <a:srgbClr val="FF0000"/>
+                </a:solidFill>
+              </a:rPr>
+              <a:t> </a:t>
+            </a:r>
+            <a:endParaRPr lang="en-US" altLang="ko-KR" sz="1500" b="1" dirty="0" smtClean="0">
+              <a:solidFill>
+                <a:srgbClr val="FF0000"/>
+              </a:solidFill>
+            </a:endParaRPr>
+          </a:p>
+          <a:p>
+            <a:r>
+              <a:rPr lang="ko-KR" altLang="en-US" sz="1500" b="1" dirty="0" smtClean="0">
+                <a:solidFill>
+                  <a:srgbClr val="FF0000"/>
+                </a:solidFill>
+              </a:rPr>
+              <a:t>평균 출력</a:t>
+            </a:r>
+            <a:endParaRPr lang="ko-KR" altLang="en-US" sz="1500" b="1" dirty="0">
+              <a:solidFill>
+                <a:srgbClr val="FF0000"/>
+              </a:solidFill>
+            </a:endParaRPr>
+          </a:p>
+        </p:txBody>
+      </p:sp>
+      <p:sp>
+        <p:nvSpPr>
+          <p:cNvPr id="30" name="직사각형 29"/>
+          <p:cNvSpPr/>
+          <p:nvPr/>
+        </p:nvSpPr>
+        <p:spPr>
+          <a:xfrm>
+            <a:off x="5360640" y="2667122"/>
+            <a:ext cx="3379404" cy="189344"/>
+          </a:xfrm>
+          <a:prstGeom prst="rect">
+            <a:avLst/>
+          </a:prstGeom>
+          <a:noFill/>
+          <a:ln>
+            <a:solidFill>
+              <a:srgbClr val="FF0000"/>
+            </a:solidFill>
+            <a:prstDash val="sysDot"/>
+          </a:ln>
+        </p:spPr>
+        <p:style>
+          <a:lnRef idx="2">
+            <a:schemeClr val="accent1">
+              <a:shade val="50000"/>
+            </a:schemeClr>
+          </a:lnRef>
+          <a:fillRef idx="1">
+            <a:schemeClr val="accent1"/>
+          </a:fillRef>
+          <a:effectRef idx="0">
+            <a:schemeClr val="accent1"/>
+          </a:effectRef>
+          <a:fontRef idx="minor">
+            <a:schemeClr val="lt1"/>
+          </a:fontRef>
+        </p:style>
+        <p:txBody>
+          <a:bodyPr rtlCol="0" anchor="ctr"/>
+          <a:lstStyle/>
+          <a:p>
+            <a:pPr algn="ctr"/>
+            <a:endParaRPr lang="ko-KR" altLang="en-US" dirty="0"/>
+          </a:p>
+        </p:txBody>
+      </p:sp>
+      <p:sp>
+        <p:nvSpPr>
+          <p:cNvPr id="31" name="직사각형 30"/>
+          <p:cNvSpPr/>
+          <p:nvPr/>
+        </p:nvSpPr>
+        <p:spPr>
+          <a:xfrm>
+            <a:off x="5360640" y="2860847"/>
+            <a:ext cx="3379404" cy="882872"/>
+          </a:xfrm>
+          <a:prstGeom prst="rect">
+            <a:avLst/>
+          </a:prstGeom>
+          <a:noFill/>
+          <a:ln>
+            <a:solidFill>
+              <a:srgbClr val="FF0000"/>
+            </a:solidFill>
+            <a:prstDash val="sysDot"/>
+          </a:ln>
+        </p:spPr>
+        <p:style>
+          <a:lnRef idx="2">
+            <a:schemeClr val="accent1">
+              <a:shade val="50000"/>
+            </a:schemeClr>
+          </a:lnRef>
+          <a:fillRef idx="1">
+            <a:schemeClr val="accent1"/>
+          </a:fillRef>
+          <a:effectRef idx="0">
+            <a:schemeClr val="accent1"/>
+          </a:effectRef>
+          <a:fontRef idx="minor">
+            <a:schemeClr val="lt1"/>
+          </a:fontRef>
+        </p:style>
+        <p:txBody>
+          <a:bodyPr rtlCol="0" anchor="ctr"/>
+          <a:lstStyle/>
+          <a:p>
+            <a:pPr algn="ctr"/>
+            <a:endParaRPr lang="ko-KR" altLang="en-US" dirty="0"/>
+          </a:p>
+        </p:txBody>
+      </p:sp>
+      <p:cxnSp>
+        <p:nvCxnSpPr>
+          <p:cNvPr id="32" name="꺾인 연결선 31"/>
+          <p:cNvCxnSpPr>
+            <a:stCxn id="27" idx="3"/>
+            <a:endCxn id="38" idx="1"/>
+          </p:cNvCxnSpPr>
+          <p:nvPr/>
+        </p:nvCxnSpPr>
+        <p:spPr>
+          <a:xfrm flipV="1">
+            <a:off x="1633957" y="3961504"/>
+            <a:ext cx="3726683" cy="2216"/>
+          </a:xfrm>
+          <a:prstGeom prst="bentConnector3">
+            <a:avLst/>
+          </a:prstGeom>
+          <a:ln w="19050">
+            <a:solidFill>
+              <a:srgbClr val="FF0000"/>
+            </a:solidFill>
+            <a:tailEnd type="arrow"/>
+          </a:ln>
+        </p:spPr>
+        <p:style>
+          <a:lnRef idx="1">
+            <a:schemeClr val="accent1"/>
+          </a:lnRef>
+          <a:fillRef idx="0">
+            <a:schemeClr val="accent1"/>
+          </a:fillRef>
+          <a:effectRef idx="0">
+            <a:schemeClr val="accent1"/>
+          </a:effectRef>
+          <a:fontRef idx="minor">
+            <a:schemeClr val="tx1"/>
+          </a:fontRef>
+        </p:style>
+      </p:cxnSp>
+      <p:sp>
+        <p:nvSpPr>
+          <p:cNvPr id="38" name="직사각형 37"/>
+          <p:cNvSpPr/>
+          <p:nvPr/>
+        </p:nvSpPr>
+        <p:spPr>
+          <a:xfrm>
+            <a:off x="5360640" y="3743718"/>
+            <a:ext cx="3379404" cy="435571"/>
+          </a:xfrm>
+          <a:prstGeom prst="rect">
+            <a:avLst/>
+          </a:prstGeom>
+          <a:noFill/>
+          <a:ln>
+            <a:solidFill>
+              <a:srgbClr val="FF0000"/>
+            </a:solidFill>
+            <a:prstDash val="sysDot"/>
+          </a:ln>
+        </p:spPr>
+        <p:style>
+          <a:lnRef idx="2">
+            <a:schemeClr val="accent1">
+              <a:shade val="50000"/>
+            </a:schemeClr>
+          </a:lnRef>
+          <a:fillRef idx="1">
+            <a:schemeClr val="accent1"/>
+          </a:fillRef>
+          <a:effectRef idx="0">
+            <a:schemeClr val="accent1"/>
+          </a:effectRef>
+          <a:fontRef idx="minor">
+            <a:schemeClr val="lt1"/>
+          </a:fontRef>
+        </p:style>
+        <p:txBody>
+          <a:bodyPr rtlCol="0" anchor="ctr"/>
+          <a:lstStyle/>
+          <a:p>
+            <a:pPr algn="ctr"/>
+            <a:endParaRPr lang="ko-KR" altLang="en-US" dirty="0"/>
+          </a:p>
+        </p:txBody>
+      </p:sp>
+      <p:sp>
+        <p:nvSpPr>
+          <p:cNvPr id="41" name="직사각형 40"/>
+          <p:cNvSpPr/>
+          <p:nvPr/>
+        </p:nvSpPr>
+        <p:spPr>
+          <a:xfrm>
+            <a:off x="5360640" y="4179289"/>
+            <a:ext cx="3379404" cy="435571"/>
+          </a:xfrm>
+          <a:prstGeom prst="rect">
+            <a:avLst/>
+          </a:prstGeom>
+          <a:noFill/>
+          <a:ln>
+            <a:solidFill>
+              <a:srgbClr val="FF0000"/>
+            </a:solidFill>
+            <a:prstDash val="sysDot"/>
+          </a:ln>
+        </p:spPr>
+        <p:style>
+          <a:lnRef idx="2">
+            <a:schemeClr val="accent1">
+              <a:shade val="50000"/>
+            </a:schemeClr>
+          </a:lnRef>
+          <a:fillRef idx="1">
+            <a:schemeClr val="accent1"/>
+          </a:fillRef>
+          <a:effectRef idx="0">
+            <a:schemeClr val="accent1"/>
+          </a:effectRef>
+          <a:fontRef idx="minor">
+            <a:schemeClr val="lt1"/>
+          </a:fontRef>
+        </p:style>
+        <p:txBody>
+          <a:bodyPr rtlCol="0" anchor="ctr"/>
+          <a:lstStyle/>
+          <a:p>
+            <a:pPr algn="ctr"/>
+            <a:endParaRPr lang="ko-KR" altLang="en-US" dirty="0"/>
+          </a:p>
+        </p:txBody>
+      </p:sp>
+      <p:sp>
+        <p:nvSpPr>
+          <p:cNvPr id="45" name="TextBox 44"/>
+          <p:cNvSpPr txBox="1"/>
+          <p:nvPr/>
+        </p:nvSpPr>
+        <p:spPr>
+          <a:xfrm>
+            <a:off x="3666245" y="3969048"/>
+            <a:ext cx="2057883" cy="323165"/>
+          </a:xfrm>
+          <a:prstGeom prst="rect">
+            <a:avLst/>
+          </a:prstGeom>
+          <a:noFill/>
+        </p:spPr>
+        <p:txBody>
+          <a:bodyPr wrap="square" rtlCol="0">
+            <a:spAutoFit/>
+          </a:bodyPr>
+          <a:lstStyle/>
+          <a:p>
+            <a:r>
+              <a:rPr lang="ko-KR" altLang="en-US" sz="1500" b="1" dirty="0" smtClean="0">
+                <a:solidFill>
+                  <a:srgbClr val="FF0000"/>
+                </a:solidFill>
+              </a:rPr>
+              <a:t>과목별 평균 출력</a:t>
+            </a:r>
+            <a:endParaRPr lang="ko-KR" altLang="en-US" sz="1500" b="1" dirty="0">
+              <a:solidFill>
+                <a:srgbClr val="FF0000"/>
+              </a:solidFill>
+            </a:endParaRPr>
+          </a:p>
+        </p:txBody>
+      </p:sp>
+      <p:cxnSp>
+        <p:nvCxnSpPr>
+          <p:cNvPr id="46" name="꺾인 연결선 45"/>
+          <p:cNvCxnSpPr>
+            <a:stCxn id="28" idx="3"/>
+            <a:endCxn id="41" idx="1"/>
+          </p:cNvCxnSpPr>
+          <p:nvPr/>
+        </p:nvCxnSpPr>
+        <p:spPr>
+          <a:xfrm>
+            <a:off x="1624433" y="4213188"/>
+            <a:ext cx="3736207" cy="183887"/>
+          </a:xfrm>
+          <a:prstGeom prst="bentConnector3">
+            <a:avLst/>
+          </a:prstGeom>
+          <a:ln w="19050">
+            <a:solidFill>
+              <a:srgbClr val="FF0000"/>
+            </a:solidFill>
+            <a:tailEnd type="arrow"/>
+          </a:ln>
+        </p:spPr>
+        <p:style>
+          <a:lnRef idx="1">
+            <a:schemeClr val="accent1"/>
+          </a:lnRef>
+          <a:fillRef idx="0">
+            <a:schemeClr val="accent1"/>
+          </a:fillRef>
+          <a:effectRef idx="0">
+            <a:schemeClr val="accent1"/>
+          </a:effectRef>
+          <a:fontRef idx="minor">
+            <a:schemeClr val="tx1"/>
+          </a:fontRef>
+        </p:style>
+      </p:cxnSp>
+      <p:sp>
+        <p:nvSpPr>
+          <p:cNvPr id="48" name="TextBox 47"/>
+          <p:cNvSpPr txBox="1"/>
+          <p:nvPr/>
+        </p:nvSpPr>
+        <p:spPr>
+          <a:xfrm>
+            <a:off x="3666245" y="4437112"/>
+            <a:ext cx="2057883" cy="323165"/>
+          </a:xfrm>
+          <a:prstGeom prst="rect">
+            <a:avLst/>
+          </a:prstGeom>
+          <a:noFill/>
+        </p:spPr>
+        <p:txBody>
+          <a:bodyPr wrap="square" rtlCol="0">
+            <a:spAutoFit/>
+          </a:bodyPr>
+          <a:lstStyle/>
+          <a:p>
+            <a:r>
+              <a:rPr lang="ko-KR" altLang="en-US" sz="1500" b="1" dirty="0" err="1" smtClean="0">
+                <a:solidFill>
+                  <a:srgbClr val="FF0000"/>
+                </a:solidFill>
+              </a:rPr>
+              <a:t>이름별</a:t>
+            </a:r>
+            <a:r>
+              <a:rPr lang="ko-KR" altLang="en-US" sz="1500" b="1" dirty="0" smtClean="0">
+                <a:solidFill>
+                  <a:srgbClr val="FF0000"/>
+                </a:solidFill>
+              </a:rPr>
+              <a:t> 평균 출력</a:t>
+            </a:r>
+            <a:endParaRPr lang="ko-KR" altLang="en-US" sz="1500" b="1" dirty="0">
+              <a:solidFill>
+                <a:srgbClr val="FF0000"/>
+              </a:solidFill>
+            </a:endParaRPr>
+          </a:p>
+        </p:txBody>
+      </p:sp>
+    </p:spTree>
+    <p:extLst>
+      <p:ext uri="{BB962C8B-B14F-4D97-AF65-F5344CB8AC3E}">
+        <p14:creationId xmlns:p14="http://schemas.microsoft.com/office/powerpoint/2010/main" val="2823730332"/>
+      </p:ext>
+    </p:extLst>
+  </p:cSld>
+  <p:clrMapOvr>
+    <a:masterClrMapping/>
+  </p:clrMapOvr>
+</p:sld>
+</file>
+
+<file path=ppt/slides/slide3.xml><?xml version="1.0" encoding="utf-8"?>
+<p:sld xmlns:a="http://schemas.openxmlformats.org/drawingml/2006/main" xmlns:r="http://schemas.openxmlformats.org/officeDocument/2006/relationships" xmlns:p="http://schemas.openxmlformats.org/presentationml/2006/main">
+  <p:cSld>
+    <p:spTree>
+      <p:nvGrpSpPr>
+        <p:cNvPr id="1" name=""/>
+        <p:cNvGrpSpPr/>
+        <p:nvPr/>
+      </p:nvGrpSpPr>
+      <p:grpSpPr>
+        <a:xfrm>
+          <a:off x="0" y="0"/>
+          <a:ext cx="0" cy="0"/>
+          <a:chOff x="0" y="0"/>
+          <a:chExt cx="0" cy="0"/>
+        </a:xfrm>
+      </p:grpSpPr>
+      <p:sp>
+        <p:nvSpPr>
+          <p:cNvPr id="4" name="직사각형 3"/>
+          <p:cNvSpPr/>
+          <p:nvPr/>
+        </p:nvSpPr>
+        <p:spPr>
+          <a:xfrm>
+            <a:off x="107504" y="2466762"/>
+            <a:ext cx="4572000" cy="1754326"/>
+          </a:xfrm>
+          <a:prstGeom prst="rect">
+            <a:avLst/>
+          </a:prstGeom>
+        </p:spPr>
+        <p:txBody>
+          <a:bodyPr>
+            <a:spAutoFit/>
+          </a:bodyPr>
+          <a:lstStyle/>
+          <a:p>
+            <a:r>
+              <a:rPr lang="en-US" altLang="ko-KR" b="1" dirty="0">
+                <a:solidFill>
+                  <a:srgbClr val="00B0F0"/>
+                </a:solidFill>
+              </a:rPr>
+              <a:t>SELECT</a:t>
+            </a:r>
+            <a:r>
+              <a:rPr lang="en-US" altLang="ko-KR" b="1" dirty="0"/>
+              <a:t> SUBJECT, NAME, AVG(SCORE) </a:t>
+            </a:r>
+            <a:r>
+              <a:rPr lang="en-US" altLang="ko-KR" b="1" dirty="0">
+                <a:solidFill>
+                  <a:srgbClr val="00B0F0"/>
+                </a:solidFill>
+              </a:rPr>
+              <a:t>FROM</a:t>
+            </a:r>
+            <a:r>
+              <a:rPr lang="en-US" altLang="ko-KR" b="1" dirty="0"/>
+              <a:t> SCORELIST</a:t>
+            </a:r>
+          </a:p>
+          <a:p>
+            <a:r>
+              <a:rPr lang="en-US" altLang="ko-KR" b="1" dirty="0">
+                <a:solidFill>
+                  <a:srgbClr val="00B0F0"/>
+                </a:solidFill>
+              </a:rPr>
+              <a:t>GROUP BY </a:t>
+            </a:r>
+            <a:r>
+              <a:rPr lang="en-US" altLang="ko-KR" b="1" dirty="0" smtClean="0">
+                <a:solidFill>
+                  <a:srgbClr val="FF0000"/>
+                </a:solidFill>
+              </a:rPr>
+              <a:t>SUBJECT</a:t>
+            </a:r>
+            <a:r>
+              <a:rPr lang="en-US" altLang="ko-KR" b="1" dirty="0" smtClean="0"/>
+              <a:t>,</a:t>
+            </a:r>
+            <a:endParaRPr lang="en-US" altLang="ko-KR" b="1" dirty="0">
+              <a:solidFill>
+                <a:srgbClr val="00B0F0"/>
+              </a:solidFill>
+            </a:endParaRPr>
+          </a:p>
+          <a:p>
+            <a:r>
+              <a:rPr lang="en-US" altLang="ko-KR" b="1" dirty="0">
+                <a:solidFill>
+                  <a:srgbClr val="00B0F0"/>
+                </a:solidFill>
+              </a:rPr>
+              <a:t>ROLLUP</a:t>
+            </a:r>
+            <a:r>
+              <a:rPr lang="en-US" altLang="ko-KR" b="1" dirty="0"/>
+              <a:t>( </a:t>
+            </a:r>
+            <a:endParaRPr lang="en-US" altLang="ko-KR" b="1" dirty="0" smtClean="0"/>
+          </a:p>
+          <a:p>
+            <a:r>
+              <a:rPr lang="en-US" altLang="ko-KR" b="1" dirty="0" smtClean="0">
+                <a:solidFill>
+                  <a:srgbClr val="FF0000"/>
+                </a:solidFill>
+              </a:rPr>
+              <a:t>	NAME</a:t>
+            </a:r>
+          </a:p>
+          <a:p>
+            <a:r>
+              <a:rPr lang="en-US" altLang="ko-KR" b="1" dirty="0" smtClean="0"/>
+              <a:t>)</a:t>
+            </a:r>
+            <a:endParaRPr lang="ko-KR" altLang="en-US" b="1" dirty="0"/>
+          </a:p>
+        </p:txBody>
+      </p:sp>
+      <p:sp>
+        <p:nvSpPr>
+          <p:cNvPr id="5" name="직사각형 4"/>
+          <p:cNvSpPr/>
+          <p:nvPr/>
+        </p:nvSpPr>
+        <p:spPr>
+          <a:xfrm>
+            <a:off x="107504" y="332656"/>
+            <a:ext cx="4572000" cy="2031325"/>
+          </a:xfrm>
+          <a:prstGeom prst="rect">
+            <a:avLst/>
+          </a:prstGeom>
+        </p:spPr>
+        <p:txBody>
+          <a:bodyPr>
+            <a:spAutoFit/>
+          </a:bodyPr>
+          <a:lstStyle/>
+          <a:p>
+            <a:r>
+              <a:rPr lang="en-US" altLang="ko-KR" b="1" dirty="0">
+                <a:solidFill>
+                  <a:srgbClr val="00B0F0"/>
+                </a:solidFill>
+              </a:rPr>
+              <a:t>SELECT</a:t>
+            </a:r>
+            <a:r>
+              <a:rPr lang="en-US" altLang="ko-KR" b="1" dirty="0"/>
+              <a:t> SUBJECT, NAME, AVG(SCORE) </a:t>
+            </a:r>
+            <a:r>
+              <a:rPr lang="en-US" altLang="ko-KR" b="1" dirty="0">
+                <a:solidFill>
+                  <a:srgbClr val="00B0F0"/>
+                </a:solidFill>
+              </a:rPr>
+              <a:t>FROM</a:t>
+            </a:r>
+            <a:r>
+              <a:rPr lang="en-US" altLang="ko-KR" b="1" dirty="0"/>
+              <a:t> SCORELIST</a:t>
+            </a:r>
+          </a:p>
+          <a:p>
+            <a:r>
+              <a:rPr lang="en-US" altLang="ko-KR" b="1" dirty="0">
+                <a:solidFill>
+                  <a:srgbClr val="00B0F0"/>
+                </a:solidFill>
+              </a:rPr>
+              <a:t>GROUP BY </a:t>
+            </a:r>
+          </a:p>
+          <a:p>
+            <a:r>
+              <a:rPr lang="en-US" altLang="ko-KR" b="1" dirty="0">
+                <a:solidFill>
+                  <a:srgbClr val="00B0F0"/>
+                </a:solidFill>
+              </a:rPr>
+              <a:t>ROLLUP</a:t>
+            </a:r>
+            <a:r>
+              <a:rPr lang="en-US" altLang="ko-KR" b="1" dirty="0"/>
+              <a:t>( </a:t>
+            </a:r>
+          </a:p>
+          <a:p>
+            <a:r>
+              <a:rPr lang="en-US" altLang="ko-KR" b="1" dirty="0" smtClean="0">
+                <a:solidFill>
+                  <a:srgbClr val="FF0000"/>
+                </a:solidFill>
+              </a:rPr>
+              <a:t>	SUBJECT</a:t>
+            </a:r>
+            <a:r>
+              <a:rPr lang="en-US" altLang="ko-KR" b="1" dirty="0"/>
+              <a:t>,</a:t>
+            </a:r>
+          </a:p>
+          <a:p>
+            <a:r>
+              <a:rPr lang="en-US" altLang="ko-KR" b="1" dirty="0" smtClean="0">
+                <a:solidFill>
+                  <a:srgbClr val="FF0000"/>
+                </a:solidFill>
+              </a:rPr>
+              <a:t>	NAME</a:t>
+            </a:r>
+            <a:endParaRPr lang="en-US" altLang="ko-KR" b="1" dirty="0">
+              <a:solidFill>
+                <a:srgbClr val="FF0000"/>
+              </a:solidFill>
+            </a:endParaRPr>
+          </a:p>
+          <a:p>
+            <a:r>
+              <a:rPr lang="en-US" altLang="ko-KR" b="1" dirty="0"/>
+              <a:t>)</a:t>
+            </a:r>
+            <a:endParaRPr lang="ko-KR" altLang="en-US" b="1" dirty="0"/>
+          </a:p>
+        </p:txBody>
+      </p:sp>
+      <p:cxnSp>
+        <p:nvCxnSpPr>
+          <p:cNvPr id="6" name="직선 연결선 5"/>
+          <p:cNvCxnSpPr/>
+          <p:nvPr/>
+        </p:nvCxnSpPr>
+        <p:spPr>
+          <a:xfrm>
+            <a:off x="0" y="2420888"/>
+            <a:ext cx="9144000" cy="0"/>
+          </a:xfrm>
+          <a:prstGeom prst="line">
+            <a:avLst/>
+          </a:prstGeom>
+        </p:spPr>
+        <p:style>
+          <a:lnRef idx="1">
+            <a:schemeClr val="accent1"/>
+          </a:lnRef>
+          <a:fillRef idx="0">
+            <a:schemeClr val="accent1"/>
+          </a:fillRef>
+          <a:effectRef idx="0">
+            <a:schemeClr val="accent1"/>
+          </a:effectRef>
+          <a:fontRef idx="minor">
+            <a:schemeClr val="tx1"/>
+          </a:fontRef>
+        </p:style>
+      </p:cxnSp>
+      <p:sp>
+        <p:nvSpPr>
+          <p:cNvPr id="7" name="직사각형 6"/>
+          <p:cNvSpPr/>
+          <p:nvPr/>
+        </p:nvSpPr>
+        <p:spPr>
+          <a:xfrm>
+            <a:off x="107504" y="4304727"/>
+            <a:ext cx="4572000" cy="1754326"/>
+          </a:xfrm>
+          <a:prstGeom prst="rect">
+            <a:avLst/>
+          </a:prstGeom>
+        </p:spPr>
+        <p:txBody>
+          <a:bodyPr>
+            <a:spAutoFit/>
+          </a:bodyPr>
+          <a:lstStyle/>
+          <a:p>
+            <a:r>
+              <a:rPr lang="en-US" altLang="ko-KR" b="1" dirty="0">
+                <a:solidFill>
+                  <a:srgbClr val="00B0F0"/>
+                </a:solidFill>
+              </a:rPr>
+              <a:t>SELECT</a:t>
+            </a:r>
+            <a:r>
+              <a:rPr lang="en-US" altLang="ko-KR" b="1" dirty="0"/>
+              <a:t> SUBJECT, NAME, AVG(SCORE) </a:t>
+            </a:r>
+            <a:r>
+              <a:rPr lang="en-US" altLang="ko-KR" b="1" dirty="0">
+                <a:solidFill>
+                  <a:srgbClr val="00B0F0"/>
+                </a:solidFill>
+              </a:rPr>
+              <a:t>FROM</a:t>
+            </a:r>
+            <a:r>
+              <a:rPr lang="en-US" altLang="ko-KR" b="1" dirty="0"/>
+              <a:t> SCORELIST</a:t>
+            </a:r>
+          </a:p>
+          <a:p>
+            <a:r>
+              <a:rPr lang="en-US" altLang="ko-KR" b="1" dirty="0">
+                <a:solidFill>
+                  <a:srgbClr val="00B0F0"/>
+                </a:solidFill>
+              </a:rPr>
+              <a:t>GROUP BY </a:t>
+            </a:r>
+            <a:endParaRPr lang="en-US" altLang="ko-KR" b="1" dirty="0" smtClean="0">
+              <a:solidFill>
+                <a:srgbClr val="00B0F0"/>
+              </a:solidFill>
+            </a:endParaRPr>
+          </a:p>
+          <a:p>
+            <a:r>
+              <a:rPr lang="en-US" altLang="ko-KR" b="1" dirty="0" smtClean="0">
+                <a:solidFill>
+                  <a:srgbClr val="00B0F0"/>
+                </a:solidFill>
+              </a:rPr>
+              <a:t>ROLLUP</a:t>
+            </a:r>
+            <a:r>
+              <a:rPr lang="en-US" altLang="ko-KR" b="1" dirty="0" smtClean="0"/>
+              <a:t>( </a:t>
+            </a:r>
+          </a:p>
+          <a:p>
+            <a:r>
+              <a:rPr lang="en-US" altLang="ko-KR" b="1" dirty="0"/>
+              <a:t>	</a:t>
+            </a:r>
+            <a:r>
+              <a:rPr lang="en-US" altLang="ko-KR" b="1" dirty="0" smtClean="0">
+                <a:solidFill>
+                  <a:srgbClr val="FF0000"/>
+                </a:solidFill>
+              </a:rPr>
+              <a:t>(SUBJECT, NAME)</a:t>
+            </a:r>
+          </a:p>
+          <a:p>
+            <a:r>
+              <a:rPr lang="en-US" altLang="ko-KR" b="1" dirty="0" smtClean="0"/>
+              <a:t>)</a:t>
+            </a:r>
+            <a:endParaRPr lang="ko-KR" altLang="en-US" b="1" dirty="0"/>
+          </a:p>
+        </p:txBody>
+      </p:sp>
+      <p:cxnSp>
+        <p:nvCxnSpPr>
+          <p:cNvPr id="8" name="직선 연결선 7"/>
+          <p:cNvCxnSpPr/>
+          <p:nvPr/>
+        </p:nvCxnSpPr>
+        <p:spPr>
+          <a:xfrm>
+            <a:off x="0" y="4293096"/>
+            <a:ext cx="9144000" cy="0"/>
+          </a:xfrm>
+          <a:prstGeom prst="line">
+            <a:avLst/>
+          </a:prstGeom>
+        </p:spPr>
+        <p:style>
+          <a:lnRef idx="1">
+            <a:schemeClr val="accent1"/>
+          </a:lnRef>
+          <a:fillRef idx="0">
+            <a:schemeClr val="accent1"/>
+          </a:fillRef>
+          <a:effectRef idx="0">
+            <a:schemeClr val="accent1"/>
+          </a:effectRef>
+          <a:fontRef idx="minor">
+            <a:schemeClr val="tx1"/>
+          </a:fontRef>
+        </p:style>
+      </p:cxnSp>
+      <p:pic>
+        <p:nvPicPr>
+          <p:cNvPr id="2050" name="Picture 2"/>
+          <p:cNvPicPr>
+            <a:picLocks noChangeAspect="1" noChangeArrowheads="1"/>
+          </p:cNvPicPr>
+          <p:nvPr/>
+        </p:nvPicPr>
+        <p:blipFill>
+          <a:blip r:embed="rId2">
+            <a:extLst>
+              <a:ext uri="{28A0092B-C50C-407E-A947-70E740481C1C}">
+                <a14:useLocalDpi xmlns:a14="http://schemas.microsoft.com/office/drawing/2010/main" val="0"/>
+              </a:ext>
+            </a:extLst>
+          </a:blip>
+          <a:srcRect/>
+          <a:stretch>
+            <a:fillRect/>
+          </a:stretch>
+        </p:blipFill>
+        <p:spPr bwMode="auto">
+          <a:xfrm>
+            <a:off x="5508104" y="528428"/>
+            <a:ext cx="2743200" cy="1571625"/>
+          </a:xfrm>
+          <a:prstGeom prst="rect">
+            <a:avLst/>
+          </a:prstGeom>
+          <a:noFill/>
+          <a:ln>
+            <a:noFill/>
+          </a:ln>
+          <a:effectLst/>
+          <a:extLst>
+            <a:ext uri="{909E8E84-426E-40DD-AFC4-6F175D3DCCD1}">
+              <a14:hiddenFill xmlns:a14="http://schemas.microsoft.com/office/drawing/2010/main">
+                <a:solidFill>
+                  <a:schemeClr val="accent1"/>
+                </a:solidFill>
+              </a14:hiddenFill>
+            </a:ext>
+            <a:ext uri="{91240B29-F687-4F45-9708-019B960494DF}">
+              <a14:hiddenLine xmlns:a14="http://schemas.microsoft.com/office/drawing/2010/main" w="9525">
+                <a:solidFill>
+                  <a:schemeClr val="tx1"/>
+                </a:solidFill>
+                <a:miter lim="800000"/>
+                <a:headEnd/>
+                <a:tailEnd/>
+              </a14:hiddenLine>
+            </a:ext>
+            <a:ext uri="{AF507438-7753-43E0-B8FC-AC1667EBCBE1}">
+              <a14:hiddenEffects xmlns:a14="http://schemas.microsoft.com/office/drawing/2010/main">
+                <a:effectLst>
+                  <a:outerShdw dist="35921" dir="2700000" algn="ctr" rotWithShape="0">
+                    <a:schemeClr val="bg2"/>
+                  </a:outerShdw>
+                </a:effectLst>
+              </a14:hiddenEffects>
+            </a:ext>
+          </a:extLst>
+        </p:spPr>
+      </p:pic>
+      <p:pic>
+        <p:nvPicPr>
+          <p:cNvPr id="2051" name="Picture 3"/>
+          <p:cNvPicPr>
+            <a:picLocks noChangeAspect="1" noChangeArrowheads="1"/>
+          </p:cNvPicPr>
+          <p:nvPr/>
+        </p:nvPicPr>
+        <p:blipFill>
+          <a:blip r:embed="rId3">
+            <a:extLst>
+              <a:ext uri="{28A0092B-C50C-407E-A947-70E740481C1C}">
+                <a14:useLocalDpi xmlns:a14="http://schemas.microsoft.com/office/drawing/2010/main" val="0"/>
+              </a:ext>
+            </a:extLst>
+          </a:blip>
+          <a:srcRect/>
+          <a:stretch>
+            <a:fillRect/>
+          </a:stretch>
+        </p:blipFill>
+        <p:spPr bwMode="auto">
+          <a:xfrm>
+            <a:off x="5527154" y="2571865"/>
+            <a:ext cx="2724150" cy="1371600"/>
+          </a:xfrm>
+          <a:prstGeom prst="rect">
+            <a:avLst/>
+          </a:prstGeom>
+          <a:noFill/>
+          <a:ln>
+            <a:noFill/>
+          </a:ln>
+          <a:effectLst/>
+          <a:extLst>
+            <a:ext uri="{909E8E84-426E-40DD-AFC4-6F175D3DCCD1}">
+              <a14:hiddenFill xmlns:a14="http://schemas.microsoft.com/office/drawing/2010/main">
+                <a:solidFill>
+                  <a:schemeClr val="accent1"/>
+                </a:solidFill>
+              </a14:hiddenFill>
+            </a:ext>
+            <a:ext uri="{91240B29-F687-4F45-9708-019B960494DF}">
+              <a14:hiddenLine xmlns:a14="http://schemas.microsoft.com/office/drawing/2010/main" w="9525">
+                <a:solidFill>
+                  <a:schemeClr val="tx1"/>
+                </a:solidFill>
+                <a:miter lim="800000"/>
+                <a:headEnd/>
+                <a:tailEnd/>
+              </a14:hiddenLine>
+            </a:ext>
+            <a:ext uri="{AF507438-7753-43E0-B8FC-AC1667EBCBE1}">
+              <a14:hiddenEffects xmlns:a14="http://schemas.microsoft.com/office/drawing/2010/main">
+                <a:effectLst>
+                  <a:outerShdw dist="35921" dir="2700000" algn="ctr" rotWithShape="0">
+                    <a:schemeClr val="bg2"/>
+                  </a:outerShdw>
+                </a:effectLst>
+              </a14:hiddenEffects>
+            </a:ext>
+          </a:extLst>
+        </p:spPr>
+      </p:pic>
+      <p:pic>
+        <p:nvPicPr>
+          <p:cNvPr id="2052" name="Picture 4"/>
+          <p:cNvPicPr>
+            <a:picLocks noChangeAspect="1" noChangeArrowheads="1"/>
+          </p:cNvPicPr>
+          <p:nvPr/>
+        </p:nvPicPr>
+        <p:blipFill>
+          <a:blip r:embed="rId4">
+            <a:extLst>
+              <a:ext uri="{28A0092B-C50C-407E-A947-70E740481C1C}">
+                <a14:useLocalDpi xmlns:a14="http://schemas.microsoft.com/office/drawing/2010/main" val="0"/>
+              </a:ext>
+            </a:extLst>
+          </a:blip>
+          <a:srcRect/>
+          <a:stretch>
+            <a:fillRect/>
+          </a:stretch>
+        </p:blipFill>
+        <p:spPr bwMode="auto">
+          <a:xfrm>
+            <a:off x="5508104" y="4706026"/>
+            <a:ext cx="2705100" cy="1228725"/>
+          </a:xfrm>
+          <a:prstGeom prst="rect">
+            <a:avLst/>
+          </a:prstGeom>
+          <a:noFill/>
+          <a:ln>
+            <a:noFill/>
+          </a:ln>
+          <a:effectLst/>
+          <a:extLst>
+            <a:ext uri="{909E8E84-426E-40DD-AFC4-6F175D3DCCD1}">
+              <a14:hiddenFill xmlns:a14="http://schemas.microsoft.com/office/drawing/2010/main">
+                <a:solidFill>
+                  <a:schemeClr val="accent1"/>
+                </a:solidFill>
+              </a14:hiddenFill>
+            </a:ext>
+            <a:ext uri="{91240B29-F687-4F45-9708-019B960494DF}">
+              <a14:hiddenLine xmlns:a14="http://schemas.microsoft.com/office/drawing/2010/main" w="9525">
+                <a:solidFill>
+                  <a:schemeClr val="tx1"/>
+                </a:solidFill>
+                <a:miter lim="800000"/>
+                <a:headEnd/>
+                <a:tailEnd/>
+              </a14:hiddenLine>
+            </a:ext>
+            <a:ext uri="{AF507438-7753-43E0-B8FC-AC1667EBCBE1}">
+              <a14:hiddenEffects xmlns:a14="http://schemas.microsoft.com/office/drawing/2010/main">
+                <a:effectLst>
+                  <a:outerShdw dist="35921" dir="2700000" algn="ctr" rotWithShape="0">
+                    <a:schemeClr val="bg2"/>
+                  </a:outerShdw>
+                </a:effectLst>
+              </a14:hiddenEffects>
+            </a:ext>
+          </a:extLst>
+        </p:spPr>
+      </p:pic>
+      <p:sp>
+        <p:nvSpPr>
+          <p:cNvPr id="16" name="직사각형 15"/>
+          <p:cNvSpPr/>
+          <p:nvPr/>
+        </p:nvSpPr>
+        <p:spPr>
+          <a:xfrm>
+            <a:off x="1043608" y="1743497"/>
+            <a:ext cx="792088" cy="304800"/>
+          </a:xfrm>
+          <a:prstGeom prst="rect">
+            <a:avLst/>
+          </a:prstGeom>
+          <a:noFill/>
+          <a:ln>
+            <a:solidFill>
+              <a:srgbClr val="FF0000"/>
+            </a:solidFill>
+            <a:prstDash val="sysDot"/>
+          </a:ln>
+        </p:spPr>
+        <p:style>
+          <a:lnRef idx="2">
+            <a:schemeClr val="accent1">
+              <a:shade val="50000"/>
+            </a:schemeClr>
+          </a:lnRef>
+          <a:fillRef idx="1">
+            <a:schemeClr val="accent1"/>
+          </a:fillRef>
+          <a:effectRef idx="0">
+            <a:schemeClr val="accent1"/>
+          </a:effectRef>
+          <a:fontRef idx="minor">
+            <a:schemeClr val="lt1"/>
+          </a:fontRef>
+        </p:style>
+        <p:txBody>
+          <a:bodyPr rtlCol="0" anchor="ctr"/>
+          <a:lstStyle/>
+          <a:p>
+            <a:pPr algn="ctr"/>
+            <a:endParaRPr lang="ko-KR" altLang="en-US" dirty="0"/>
+          </a:p>
+        </p:txBody>
+      </p:sp>
+      <p:sp>
+        <p:nvSpPr>
+          <p:cNvPr id="17" name="직사각형 16"/>
+          <p:cNvSpPr/>
+          <p:nvPr/>
+        </p:nvSpPr>
+        <p:spPr>
+          <a:xfrm>
+            <a:off x="1043608" y="1438697"/>
+            <a:ext cx="1152128" cy="304800"/>
+          </a:xfrm>
+          <a:prstGeom prst="rect">
+            <a:avLst/>
+          </a:prstGeom>
+          <a:noFill/>
+          <a:ln>
+            <a:solidFill>
+              <a:srgbClr val="FF0000"/>
+            </a:solidFill>
+            <a:prstDash val="sysDot"/>
+          </a:ln>
+        </p:spPr>
+        <p:style>
+          <a:lnRef idx="2">
+            <a:schemeClr val="accent1">
+              <a:shade val="50000"/>
+            </a:schemeClr>
+          </a:lnRef>
+          <a:fillRef idx="1">
+            <a:schemeClr val="accent1"/>
+          </a:fillRef>
+          <a:effectRef idx="0">
+            <a:schemeClr val="accent1"/>
+          </a:effectRef>
+          <a:fontRef idx="minor">
+            <a:schemeClr val="lt1"/>
+          </a:fontRef>
+        </p:style>
+        <p:txBody>
+          <a:bodyPr rtlCol="0" anchor="ctr"/>
+          <a:lstStyle/>
+          <a:p>
+            <a:pPr algn="ctr"/>
+            <a:endParaRPr lang="ko-KR" altLang="en-US" dirty="0"/>
+          </a:p>
+        </p:txBody>
+      </p:sp>
+      <p:cxnSp>
+        <p:nvCxnSpPr>
+          <p:cNvPr id="18" name="꺾인 연결선 17"/>
+          <p:cNvCxnSpPr>
+            <a:stCxn id="16" idx="3"/>
+            <a:endCxn id="21" idx="1"/>
+          </p:cNvCxnSpPr>
+          <p:nvPr/>
+        </p:nvCxnSpPr>
+        <p:spPr>
+          <a:xfrm flipV="1">
+            <a:off x="1835696" y="1892947"/>
+            <a:ext cx="3666436" cy="2950"/>
+          </a:xfrm>
+          <a:prstGeom prst="bentConnector3">
+            <a:avLst/>
+          </a:prstGeom>
+          <a:ln w="19050">
+            <a:solidFill>
+              <a:srgbClr val="FF0000"/>
+            </a:solidFill>
+            <a:tailEnd type="arrow"/>
+          </a:ln>
+        </p:spPr>
+        <p:style>
+          <a:lnRef idx="1">
+            <a:schemeClr val="accent1"/>
+          </a:lnRef>
+          <a:fillRef idx="0">
+            <a:schemeClr val="accent1"/>
+          </a:fillRef>
+          <a:effectRef idx="0">
+            <a:schemeClr val="accent1"/>
+          </a:effectRef>
+          <a:fontRef idx="minor">
+            <a:schemeClr val="tx1"/>
+          </a:fontRef>
+        </p:style>
+      </p:cxnSp>
+      <p:sp>
+        <p:nvSpPr>
+          <p:cNvPr id="21" name="직사각형 20"/>
+          <p:cNvSpPr/>
+          <p:nvPr/>
+        </p:nvSpPr>
+        <p:spPr>
+          <a:xfrm>
+            <a:off x="5502132" y="1685840"/>
+            <a:ext cx="2749172" cy="414214"/>
+          </a:xfrm>
+          <a:prstGeom prst="rect">
+            <a:avLst/>
+          </a:prstGeom>
+          <a:noFill/>
+          <a:ln>
+            <a:solidFill>
+              <a:srgbClr val="FF0000"/>
+            </a:solidFill>
+            <a:prstDash val="sysDot"/>
+          </a:ln>
+        </p:spPr>
+        <p:style>
+          <a:lnRef idx="2">
+            <a:schemeClr val="accent1">
+              <a:shade val="50000"/>
+            </a:schemeClr>
+          </a:lnRef>
+          <a:fillRef idx="1">
+            <a:schemeClr val="accent1"/>
+          </a:fillRef>
+          <a:effectRef idx="0">
+            <a:schemeClr val="accent1"/>
+          </a:effectRef>
+          <a:fontRef idx="minor">
+            <a:schemeClr val="lt1"/>
+          </a:fontRef>
+        </p:style>
+        <p:txBody>
+          <a:bodyPr rtlCol="0" anchor="ctr"/>
+          <a:lstStyle/>
+          <a:p>
+            <a:pPr algn="ctr"/>
+            <a:endParaRPr lang="ko-KR" altLang="en-US" dirty="0"/>
+          </a:p>
+        </p:txBody>
+      </p:sp>
+      <p:sp>
+        <p:nvSpPr>
+          <p:cNvPr id="23" name="TextBox 22"/>
+          <p:cNvSpPr txBox="1"/>
+          <p:nvPr/>
+        </p:nvSpPr>
+        <p:spPr>
+          <a:xfrm>
+            <a:off x="2843808" y="1895897"/>
+            <a:ext cx="2561939" cy="553998"/>
+          </a:xfrm>
+          <a:prstGeom prst="rect">
+            <a:avLst/>
+          </a:prstGeom>
+          <a:noFill/>
+        </p:spPr>
+        <p:txBody>
+          <a:bodyPr wrap="square" rtlCol="0">
+            <a:spAutoFit/>
+          </a:bodyPr>
+          <a:lstStyle/>
+          <a:p>
+            <a:r>
+              <a:rPr lang="en-US" altLang="ko-KR" sz="1500" b="1" dirty="0" smtClean="0">
+                <a:solidFill>
+                  <a:srgbClr val="FF0000"/>
+                </a:solidFill>
+              </a:rPr>
+              <a:t>1. SUBJECT</a:t>
+            </a:r>
+            <a:r>
+              <a:rPr lang="ko-KR" altLang="en-US" sz="1500" b="1" dirty="0" smtClean="0">
+                <a:solidFill>
+                  <a:srgbClr val="FF0000"/>
+                </a:solidFill>
+              </a:rPr>
+              <a:t>별 평균 출력</a:t>
+            </a:r>
+            <a:endParaRPr lang="en-US" altLang="ko-KR" sz="1500" b="1" dirty="0" smtClean="0">
+              <a:solidFill>
+                <a:srgbClr val="FF0000"/>
+              </a:solidFill>
+            </a:endParaRPr>
+          </a:p>
+          <a:p>
+            <a:r>
+              <a:rPr lang="en-US" altLang="ko-KR" sz="1500" b="1" dirty="0" smtClean="0">
+                <a:solidFill>
+                  <a:srgbClr val="FF0000"/>
+                </a:solidFill>
+              </a:rPr>
+              <a:t>(SUBJECT , </a:t>
+            </a:r>
+            <a:r>
+              <a:rPr lang="en-US" altLang="ko-KR" sz="1500" strike="sngStrike" dirty="0" smtClean="0">
+                <a:solidFill>
+                  <a:srgbClr val="FF0000"/>
+                </a:solidFill>
+              </a:rPr>
+              <a:t>NAME</a:t>
+            </a:r>
+            <a:r>
+              <a:rPr lang="en-US" altLang="ko-KR" sz="1500" b="1" dirty="0" smtClean="0">
+                <a:solidFill>
+                  <a:srgbClr val="FF0000"/>
+                </a:solidFill>
+              </a:rPr>
+              <a:t>)</a:t>
+            </a:r>
+            <a:endParaRPr lang="ko-KR" altLang="en-US" sz="1500" b="1" dirty="0">
+              <a:solidFill>
+                <a:srgbClr val="FF0000"/>
+              </a:solidFill>
+            </a:endParaRPr>
+          </a:p>
+        </p:txBody>
+      </p:sp>
+      <p:cxnSp>
+        <p:nvCxnSpPr>
+          <p:cNvPr id="25" name="꺾인 연결선 24"/>
+          <p:cNvCxnSpPr>
+            <a:stCxn id="17" idx="3"/>
+          </p:cNvCxnSpPr>
+          <p:nvPr/>
+        </p:nvCxnSpPr>
+        <p:spPr>
+          <a:xfrm flipV="1">
+            <a:off x="2195736" y="885509"/>
+            <a:ext cx="3331418" cy="705588"/>
+          </a:xfrm>
+          <a:prstGeom prst="bentConnector3">
+            <a:avLst>
+              <a:gd name="adj1" fmla="val 7793"/>
+            </a:avLst>
+          </a:prstGeom>
+          <a:ln w="19050">
+            <a:solidFill>
+              <a:srgbClr val="FF0000"/>
+            </a:solidFill>
+            <a:tailEnd type="arrow"/>
+          </a:ln>
+        </p:spPr>
+        <p:style>
+          <a:lnRef idx="1">
+            <a:schemeClr val="accent1"/>
+          </a:lnRef>
+          <a:fillRef idx="0">
+            <a:schemeClr val="accent1"/>
+          </a:fillRef>
+          <a:effectRef idx="0">
+            <a:schemeClr val="accent1"/>
+          </a:effectRef>
+          <a:fontRef idx="minor">
+            <a:schemeClr val="tx1"/>
+          </a:fontRef>
+        </p:style>
+      </p:cxnSp>
+      <p:sp>
+        <p:nvSpPr>
+          <p:cNvPr id="27" name="직사각형 26"/>
+          <p:cNvSpPr/>
+          <p:nvPr/>
+        </p:nvSpPr>
+        <p:spPr>
+          <a:xfrm>
+            <a:off x="5486068" y="781956"/>
+            <a:ext cx="2749172" cy="207107"/>
+          </a:xfrm>
+          <a:prstGeom prst="rect">
+            <a:avLst/>
+          </a:prstGeom>
+          <a:noFill/>
+          <a:ln>
+            <a:solidFill>
+              <a:srgbClr val="FF0000"/>
+            </a:solidFill>
+            <a:prstDash val="sysDot"/>
+          </a:ln>
+        </p:spPr>
+        <p:style>
+          <a:lnRef idx="2">
+            <a:schemeClr val="accent1">
+              <a:shade val="50000"/>
+            </a:schemeClr>
+          </a:lnRef>
+          <a:fillRef idx="1">
+            <a:schemeClr val="accent1"/>
+          </a:fillRef>
+          <a:effectRef idx="0">
+            <a:schemeClr val="accent1"/>
+          </a:effectRef>
+          <a:fontRef idx="minor">
+            <a:schemeClr val="lt1"/>
+          </a:fontRef>
+        </p:style>
+        <p:txBody>
+          <a:bodyPr rtlCol="0" anchor="ctr"/>
+          <a:lstStyle/>
+          <a:p>
+            <a:pPr algn="ctr"/>
+            <a:endParaRPr lang="ko-KR" altLang="en-US" dirty="0"/>
+          </a:p>
+        </p:txBody>
+      </p:sp>
+      <p:sp>
+        <p:nvSpPr>
+          <p:cNvPr id="29" name="TextBox 28"/>
+          <p:cNvSpPr txBox="1"/>
+          <p:nvPr/>
+        </p:nvSpPr>
+        <p:spPr>
+          <a:xfrm>
+            <a:off x="2483768" y="885509"/>
+            <a:ext cx="2849971" cy="553998"/>
+          </a:xfrm>
+          <a:prstGeom prst="rect">
+            <a:avLst/>
+          </a:prstGeom>
+          <a:noFill/>
+        </p:spPr>
+        <p:txBody>
+          <a:bodyPr wrap="square" rtlCol="0">
+            <a:spAutoFit/>
+          </a:bodyPr>
+          <a:lstStyle/>
+          <a:p>
+            <a:r>
+              <a:rPr lang="en-US" altLang="ko-KR" sz="1500" b="1" dirty="0" smtClean="0">
+                <a:solidFill>
+                  <a:srgbClr val="FF0000"/>
+                </a:solidFill>
+              </a:rPr>
+              <a:t>2. </a:t>
+            </a:r>
+            <a:r>
+              <a:rPr lang="ko-KR" altLang="en-US" sz="1500" b="1" dirty="0" smtClean="0">
+                <a:solidFill>
+                  <a:srgbClr val="FF0000"/>
+                </a:solidFill>
+              </a:rPr>
+              <a:t>전체 평균 출력</a:t>
+            </a:r>
+            <a:endParaRPr lang="en-US" altLang="ko-KR" sz="1500" b="1" dirty="0" smtClean="0">
+              <a:solidFill>
+                <a:srgbClr val="FF0000"/>
+              </a:solidFill>
+            </a:endParaRPr>
+          </a:p>
+          <a:p>
+            <a:r>
+              <a:rPr lang="en-US" altLang="ko-KR" sz="1500" b="1" dirty="0">
+                <a:solidFill>
+                  <a:srgbClr val="FF0000"/>
+                </a:solidFill>
+              </a:rPr>
+              <a:t>(</a:t>
+            </a:r>
+            <a:r>
+              <a:rPr lang="en-US" altLang="ko-KR" sz="1500" strike="sngStrike" dirty="0">
+                <a:solidFill>
+                  <a:srgbClr val="FF0000"/>
+                </a:solidFill>
+              </a:rPr>
+              <a:t>SUBJECT</a:t>
+            </a:r>
+            <a:r>
+              <a:rPr lang="en-US" altLang="ko-KR" sz="1500" b="1" dirty="0">
+                <a:solidFill>
+                  <a:srgbClr val="FF0000"/>
+                </a:solidFill>
+              </a:rPr>
+              <a:t> , </a:t>
+            </a:r>
+            <a:r>
+              <a:rPr lang="en-US" altLang="ko-KR" sz="1500" strike="sngStrike" dirty="0">
+                <a:solidFill>
+                  <a:srgbClr val="FF0000"/>
+                </a:solidFill>
+              </a:rPr>
+              <a:t>NAME</a:t>
+            </a:r>
+            <a:r>
+              <a:rPr lang="en-US" altLang="ko-KR" sz="1500" b="1" dirty="0">
+                <a:solidFill>
+                  <a:srgbClr val="FF0000"/>
+                </a:solidFill>
+              </a:rPr>
+              <a:t>)</a:t>
+            </a:r>
+            <a:endParaRPr lang="ko-KR" altLang="en-US" sz="1500" b="1" dirty="0">
+              <a:solidFill>
+                <a:srgbClr val="FF0000"/>
+              </a:solidFill>
+            </a:endParaRPr>
+          </a:p>
+        </p:txBody>
+      </p:sp>
+      <p:sp>
+        <p:nvSpPr>
+          <p:cNvPr id="32" name="직사각형 31"/>
+          <p:cNvSpPr/>
+          <p:nvPr/>
+        </p:nvSpPr>
+        <p:spPr>
+          <a:xfrm>
+            <a:off x="1043608" y="3613396"/>
+            <a:ext cx="792088" cy="304800"/>
+          </a:xfrm>
+          <a:prstGeom prst="rect">
+            <a:avLst/>
+          </a:prstGeom>
+          <a:noFill/>
+          <a:ln>
+            <a:solidFill>
+              <a:srgbClr val="FF0000"/>
+            </a:solidFill>
+            <a:prstDash val="sysDot"/>
+          </a:ln>
+        </p:spPr>
+        <p:style>
+          <a:lnRef idx="2">
+            <a:schemeClr val="accent1">
+              <a:shade val="50000"/>
+            </a:schemeClr>
+          </a:lnRef>
+          <a:fillRef idx="1">
+            <a:schemeClr val="accent1"/>
+          </a:fillRef>
+          <a:effectRef idx="0">
+            <a:schemeClr val="accent1"/>
+          </a:effectRef>
+          <a:fontRef idx="minor">
+            <a:schemeClr val="lt1"/>
+          </a:fontRef>
+        </p:style>
+        <p:txBody>
+          <a:bodyPr rtlCol="0" anchor="ctr"/>
+          <a:lstStyle/>
+          <a:p>
+            <a:pPr algn="ctr"/>
+            <a:endParaRPr lang="ko-KR" altLang="en-US" dirty="0"/>
+          </a:p>
+        </p:txBody>
+      </p:sp>
+      <p:cxnSp>
+        <p:nvCxnSpPr>
+          <p:cNvPr id="33" name="꺾인 연결선 32"/>
+          <p:cNvCxnSpPr>
+            <a:stCxn id="32" idx="3"/>
+            <a:endCxn id="34" idx="1"/>
+          </p:cNvCxnSpPr>
+          <p:nvPr/>
+        </p:nvCxnSpPr>
+        <p:spPr>
+          <a:xfrm flipV="1">
+            <a:off x="1835696" y="3762236"/>
+            <a:ext cx="3659540" cy="3560"/>
+          </a:xfrm>
+          <a:prstGeom prst="bentConnector3">
+            <a:avLst/>
+          </a:prstGeom>
+          <a:ln w="19050">
+            <a:solidFill>
+              <a:srgbClr val="FF0000"/>
+            </a:solidFill>
+            <a:tailEnd type="arrow"/>
+          </a:ln>
+        </p:spPr>
+        <p:style>
+          <a:lnRef idx="1">
+            <a:schemeClr val="accent1"/>
+          </a:lnRef>
+          <a:fillRef idx="0">
+            <a:schemeClr val="accent1"/>
+          </a:fillRef>
+          <a:effectRef idx="0">
+            <a:schemeClr val="accent1"/>
+          </a:effectRef>
+          <a:fontRef idx="minor">
+            <a:schemeClr val="tx1"/>
+          </a:fontRef>
+        </p:style>
+      </p:cxnSp>
+      <p:sp>
+        <p:nvSpPr>
+          <p:cNvPr id="34" name="직사각형 33"/>
+          <p:cNvSpPr/>
+          <p:nvPr/>
+        </p:nvSpPr>
+        <p:spPr>
+          <a:xfrm>
+            <a:off x="5495236" y="3555129"/>
+            <a:ext cx="2749172" cy="414214"/>
+          </a:xfrm>
+          <a:prstGeom prst="rect">
+            <a:avLst/>
+          </a:prstGeom>
+          <a:noFill/>
+          <a:ln>
+            <a:solidFill>
+              <a:srgbClr val="FF0000"/>
+            </a:solidFill>
+            <a:prstDash val="sysDot"/>
+          </a:ln>
+        </p:spPr>
+        <p:style>
+          <a:lnRef idx="2">
+            <a:schemeClr val="accent1">
+              <a:shade val="50000"/>
+            </a:schemeClr>
+          </a:lnRef>
+          <a:fillRef idx="1">
+            <a:schemeClr val="accent1"/>
+          </a:fillRef>
+          <a:effectRef idx="0">
+            <a:schemeClr val="accent1"/>
+          </a:effectRef>
+          <a:fontRef idx="minor">
+            <a:schemeClr val="lt1"/>
+          </a:fontRef>
+        </p:style>
+        <p:txBody>
+          <a:bodyPr rtlCol="0" anchor="ctr"/>
+          <a:lstStyle/>
+          <a:p>
+            <a:pPr algn="ctr"/>
+            <a:endParaRPr lang="ko-KR" altLang="en-US" dirty="0"/>
+          </a:p>
+        </p:txBody>
+      </p:sp>
+      <p:sp>
+        <p:nvSpPr>
+          <p:cNvPr id="37" name="TextBox 36"/>
+          <p:cNvSpPr txBox="1"/>
+          <p:nvPr/>
+        </p:nvSpPr>
+        <p:spPr>
+          <a:xfrm>
+            <a:off x="2414117" y="3754287"/>
+            <a:ext cx="2561939" cy="553998"/>
+          </a:xfrm>
+          <a:prstGeom prst="rect">
+            <a:avLst/>
+          </a:prstGeom>
+          <a:noFill/>
+        </p:spPr>
+        <p:txBody>
+          <a:bodyPr wrap="square" rtlCol="0">
+            <a:spAutoFit/>
+          </a:bodyPr>
+          <a:lstStyle/>
+          <a:p>
+            <a:r>
+              <a:rPr lang="en-US" altLang="ko-KR" sz="1500" b="1" dirty="0" smtClean="0">
+                <a:solidFill>
+                  <a:srgbClr val="FF0000"/>
+                </a:solidFill>
+              </a:rPr>
+              <a:t>1. SUBJECT</a:t>
+            </a:r>
+            <a:r>
+              <a:rPr lang="ko-KR" altLang="en-US" sz="1500" b="1" dirty="0" smtClean="0">
+                <a:solidFill>
+                  <a:srgbClr val="FF0000"/>
+                </a:solidFill>
+              </a:rPr>
+              <a:t>별 평균 출력</a:t>
+            </a:r>
+            <a:endParaRPr lang="en-US" altLang="ko-KR" sz="1500" b="1" dirty="0" smtClean="0">
+              <a:solidFill>
+                <a:srgbClr val="FF0000"/>
+              </a:solidFill>
+            </a:endParaRPr>
+          </a:p>
+          <a:p>
+            <a:r>
+              <a:rPr lang="en-US" altLang="ko-KR" sz="1500" b="1" dirty="0" smtClean="0">
+                <a:solidFill>
+                  <a:srgbClr val="FF0000"/>
+                </a:solidFill>
+              </a:rPr>
+              <a:t>(</a:t>
+            </a:r>
+            <a:r>
+              <a:rPr lang="en-US" altLang="ko-KR" sz="1500" strike="sngStrike" dirty="0" smtClean="0">
+                <a:solidFill>
+                  <a:srgbClr val="FF0000"/>
+                </a:solidFill>
+              </a:rPr>
+              <a:t>NAME</a:t>
+            </a:r>
+            <a:r>
+              <a:rPr lang="en-US" altLang="ko-KR" sz="1500" b="1" dirty="0" smtClean="0">
+                <a:solidFill>
+                  <a:srgbClr val="FF0000"/>
+                </a:solidFill>
+              </a:rPr>
+              <a:t>)</a:t>
+            </a:r>
+            <a:endParaRPr lang="ko-KR" altLang="en-US" sz="1500" b="1" dirty="0">
+              <a:solidFill>
+                <a:srgbClr val="FF0000"/>
+              </a:solidFill>
+            </a:endParaRPr>
+          </a:p>
+        </p:txBody>
+      </p:sp>
+      <p:sp>
+        <p:nvSpPr>
+          <p:cNvPr id="38" name="직사각형 37"/>
+          <p:cNvSpPr/>
+          <p:nvPr/>
+        </p:nvSpPr>
+        <p:spPr>
+          <a:xfrm>
+            <a:off x="1403648" y="3039125"/>
+            <a:ext cx="989856" cy="304800"/>
+          </a:xfrm>
+          <a:prstGeom prst="rect">
+            <a:avLst/>
+          </a:prstGeom>
+          <a:noFill/>
+          <a:ln>
+            <a:solidFill>
+              <a:srgbClr val="FF0000"/>
+            </a:solidFill>
+            <a:prstDash val="sysDot"/>
+          </a:ln>
+        </p:spPr>
+        <p:style>
+          <a:lnRef idx="2">
+            <a:schemeClr val="accent1">
+              <a:shade val="50000"/>
+            </a:schemeClr>
+          </a:lnRef>
+          <a:fillRef idx="1">
+            <a:schemeClr val="accent1"/>
+          </a:fillRef>
+          <a:effectRef idx="0">
+            <a:schemeClr val="accent1"/>
+          </a:effectRef>
+          <a:fontRef idx="minor">
+            <a:schemeClr val="lt1"/>
+          </a:fontRef>
+        </p:style>
+        <p:txBody>
+          <a:bodyPr rtlCol="0" anchor="ctr"/>
+          <a:lstStyle/>
+          <a:p>
+            <a:pPr algn="ctr"/>
+            <a:endParaRPr lang="ko-KR" altLang="en-US" dirty="0"/>
+          </a:p>
+        </p:txBody>
+      </p:sp>
+      <p:cxnSp>
+        <p:nvCxnSpPr>
+          <p:cNvPr id="39" name="꺾인 연결선 38"/>
+          <p:cNvCxnSpPr>
+            <a:stCxn id="38" idx="3"/>
+            <a:endCxn id="37" idx="0"/>
+          </p:cNvCxnSpPr>
+          <p:nvPr/>
+        </p:nvCxnSpPr>
+        <p:spPr>
+          <a:xfrm>
+            <a:off x="2393504" y="3191525"/>
+            <a:ext cx="1301583" cy="562762"/>
+          </a:xfrm>
+          <a:prstGeom prst="bentConnector2">
+            <a:avLst/>
+          </a:prstGeom>
+          <a:ln w="19050">
+            <a:solidFill>
+              <a:srgbClr val="FF0000"/>
+            </a:solidFill>
+            <a:prstDash val="sysDot"/>
+            <a:tailEnd type="arrow"/>
+          </a:ln>
+        </p:spPr>
+        <p:style>
+          <a:lnRef idx="1">
+            <a:schemeClr val="accent1"/>
+          </a:lnRef>
+          <a:fillRef idx="0">
+            <a:schemeClr val="accent1"/>
+          </a:fillRef>
+          <a:effectRef idx="0">
+            <a:schemeClr val="accent1"/>
+          </a:effectRef>
+          <a:fontRef idx="minor">
+            <a:schemeClr val="tx1"/>
+          </a:fontRef>
+        </p:style>
+      </p:cxnSp>
+      <p:sp>
+        <p:nvSpPr>
+          <p:cNvPr id="44" name="직사각형 43"/>
+          <p:cNvSpPr/>
+          <p:nvPr/>
+        </p:nvSpPr>
+        <p:spPr>
+          <a:xfrm>
+            <a:off x="1043607" y="5445224"/>
+            <a:ext cx="2000687" cy="304800"/>
+          </a:xfrm>
+          <a:prstGeom prst="rect">
+            <a:avLst/>
+          </a:prstGeom>
+          <a:noFill/>
+          <a:ln>
+            <a:solidFill>
+              <a:srgbClr val="FF0000"/>
+            </a:solidFill>
+            <a:prstDash val="sysDot"/>
+          </a:ln>
+        </p:spPr>
+        <p:style>
+          <a:lnRef idx="2">
+            <a:schemeClr val="accent1">
+              <a:shade val="50000"/>
+            </a:schemeClr>
+          </a:lnRef>
+          <a:fillRef idx="1">
+            <a:schemeClr val="accent1"/>
+          </a:fillRef>
+          <a:effectRef idx="0">
+            <a:schemeClr val="accent1"/>
+          </a:effectRef>
+          <a:fontRef idx="minor">
+            <a:schemeClr val="lt1"/>
+          </a:fontRef>
+        </p:style>
+        <p:txBody>
+          <a:bodyPr rtlCol="0" anchor="ctr"/>
+          <a:lstStyle/>
+          <a:p>
+            <a:pPr algn="ctr"/>
+            <a:endParaRPr lang="ko-KR" altLang="en-US" dirty="0"/>
+          </a:p>
+        </p:txBody>
+      </p:sp>
+      <p:sp>
+        <p:nvSpPr>
+          <p:cNvPr id="45" name="직사각형 44"/>
+          <p:cNvSpPr/>
+          <p:nvPr/>
+        </p:nvSpPr>
+        <p:spPr>
+          <a:xfrm>
+            <a:off x="5486068" y="4974783"/>
+            <a:ext cx="2749172" cy="207107"/>
+          </a:xfrm>
+          <a:prstGeom prst="rect">
+            <a:avLst/>
+          </a:prstGeom>
+          <a:noFill/>
+          <a:ln>
+            <a:solidFill>
+              <a:srgbClr val="FF0000"/>
+            </a:solidFill>
+            <a:prstDash val="sysDot"/>
+          </a:ln>
+        </p:spPr>
+        <p:style>
+          <a:lnRef idx="2">
+            <a:schemeClr val="accent1">
+              <a:shade val="50000"/>
+            </a:schemeClr>
+          </a:lnRef>
+          <a:fillRef idx="1">
+            <a:schemeClr val="accent1"/>
+          </a:fillRef>
+          <a:effectRef idx="0">
+            <a:schemeClr val="accent1"/>
+          </a:effectRef>
+          <a:fontRef idx="minor">
+            <a:schemeClr val="lt1"/>
+          </a:fontRef>
+        </p:style>
+        <p:txBody>
+          <a:bodyPr rtlCol="0" anchor="ctr"/>
+          <a:lstStyle/>
+          <a:p>
+            <a:pPr algn="ctr"/>
+            <a:endParaRPr lang="ko-KR" altLang="en-US" dirty="0"/>
+          </a:p>
+        </p:txBody>
+      </p:sp>
+      <p:cxnSp>
+        <p:nvCxnSpPr>
+          <p:cNvPr id="46" name="꺾인 연결선 45"/>
+          <p:cNvCxnSpPr>
+            <a:stCxn id="44" idx="3"/>
+            <a:endCxn id="45" idx="1"/>
+          </p:cNvCxnSpPr>
+          <p:nvPr/>
+        </p:nvCxnSpPr>
+        <p:spPr>
+          <a:xfrm flipV="1">
+            <a:off x="3044294" y="5078337"/>
+            <a:ext cx="2441774" cy="519287"/>
+          </a:xfrm>
+          <a:prstGeom prst="bentConnector3">
+            <a:avLst>
+              <a:gd name="adj1" fmla="val 7959"/>
+            </a:avLst>
+          </a:prstGeom>
+          <a:ln w="19050">
+            <a:solidFill>
+              <a:srgbClr val="FF0000"/>
+            </a:solidFill>
+            <a:tailEnd type="arrow"/>
+          </a:ln>
+        </p:spPr>
+        <p:style>
+          <a:lnRef idx="1">
+            <a:schemeClr val="accent1"/>
+          </a:lnRef>
+          <a:fillRef idx="0">
+            <a:schemeClr val="accent1"/>
+          </a:fillRef>
+          <a:effectRef idx="0">
+            <a:schemeClr val="accent1"/>
+          </a:effectRef>
+          <a:fontRef idx="minor">
+            <a:schemeClr val="tx1"/>
+          </a:fontRef>
+        </p:style>
+      </p:cxnSp>
+      <p:sp>
+        <p:nvSpPr>
+          <p:cNvPr id="49" name="TextBox 48"/>
+          <p:cNvSpPr txBox="1"/>
+          <p:nvPr/>
+        </p:nvSpPr>
+        <p:spPr>
+          <a:xfrm>
+            <a:off x="3291030" y="5078336"/>
+            <a:ext cx="2561939" cy="553998"/>
+          </a:xfrm>
+          <a:prstGeom prst="rect">
+            <a:avLst/>
+          </a:prstGeom>
+          <a:noFill/>
+        </p:spPr>
+        <p:txBody>
+          <a:bodyPr wrap="square" rtlCol="0">
+            <a:spAutoFit/>
+          </a:bodyPr>
+          <a:lstStyle/>
+          <a:p>
+            <a:r>
+              <a:rPr lang="en-US" altLang="ko-KR" sz="1500" b="1" dirty="0" smtClean="0">
+                <a:solidFill>
+                  <a:srgbClr val="FF0000"/>
+                </a:solidFill>
+              </a:rPr>
+              <a:t>1. </a:t>
+            </a:r>
+            <a:r>
+              <a:rPr lang="ko-KR" altLang="en-US" sz="1500" b="1" dirty="0" smtClean="0">
+                <a:solidFill>
+                  <a:srgbClr val="FF0000"/>
+                </a:solidFill>
+              </a:rPr>
+              <a:t>전체 평균 출력</a:t>
+            </a:r>
+            <a:endParaRPr lang="en-US" altLang="ko-KR" sz="1500" b="1" dirty="0" smtClean="0">
+              <a:solidFill>
+                <a:srgbClr val="FF0000"/>
+              </a:solidFill>
+            </a:endParaRPr>
+          </a:p>
+          <a:p>
+            <a:r>
+              <a:rPr lang="en-US" altLang="ko-KR" sz="1500" b="1" dirty="0" smtClean="0">
+                <a:solidFill>
+                  <a:srgbClr val="FF0000"/>
+                </a:solidFill>
+              </a:rPr>
+              <a:t>(</a:t>
+            </a:r>
+            <a:r>
+              <a:rPr lang="en-US" altLang="ko-KR" sz="1500" strike="sngStrike" dirty="0" smtClean="0">
+                <a:solidFill>
+                  <a:srgbClr val="FF0000"/>
+                </a:solidFill>
+              </a:rPr>
+              <a:t>SUBJECT</a:t>
+            </a:r>
+            <a:r>
+              <a:rPr lang="en-US" altLang="ko-KR" sz="1500" b="1" dirty="0" smtClean="0">
+                <a:solidFill>
+                  <a:srgbClr val="FF0000"/>
+                </a:solidFill>
+              </a:rPr>
+              <a:t>, </a:t>
+            </a:r>
+            <a:r>
+              <a:rPr lang="en-US" altLang="ko-KR" sz="1500" strike="sngStrike" dirty="0" smtClean="0">
+                <a:solidFill>
+                  <a:srgbClr val="FF0000"/>
+                </a:solidFill>
+              </a:rPr>
+              <a:t>NAME</a:t>
+            </a:r>
+            <a:r>
+              <a:rPr lang="en-US" altLang="ko-KR" sz="1500" b="1" dirty="0" smtClean="0">
+                <a:solidFill>
+                  <a:srgbClr val="FF0000"/>
+                </a:solidFill>
+              </a:rPr>
+              <a:t>)</a:t>
+            </a:r>
+            <a:endParaRPr lang="ko-KR" altLang="en-US" sz="1500" b="1" dirty="0">
+              <a:solidFill>
+                <a:srgbClr val="FF0000"/>
+              </a:solidFill>
+            </a:endParaRPr>
+          </a:p>
+        </p:txBody>
+      </p:sp>
+    </p:spTree>
+    <p:extLst>
+      <p:ext uri="{BB962C8B-B14F-4D97-AF65-F5344CB8AC3E}">
+        <p14:creationId xmlns:p14="http://schemas.microsoft.com/office/powerpoint/2010/main" val="3329398675"/>
+      </p:ext>
+    </p:extLst>
+  </p:cSld>
+  <p:clrMapOvr>
+    <a:masterClrMapping/>
+  </p:clrMapOvr>
+</p:sld>
+</file>
+
+<file path=ppt/slides/slide4.xml><?xml version="1.0" encoding="utf-8"?>
+<p:sld xmlns:a="http://schemas.openxmlformats.org/drawingml/2006/main" xmlns:r="http://schemas.openxmlformats.org/officeDocument/2006/relationships" xmlns:p="http://schemas.openxmlformats.org/presentationml/2006/main">
+  <p:cSld>
+    <p:spTree>
+      <p:nvGrpSpPr>
+        <p:cNvPr id="1" name=""/>
+        <p:cNvGrpSpPr/>
+        <p:nvPr/>
+      </p:nvGrpSpPr>
+      <p:grpSpPr>
+        <a:xfrm>
+          <a:off x="0" y="0"/>
+          <a:ext cx="0" cy="0"/>
+          <a:chOff x="0" y="0"/>
+          <a:chExt cx="0" cy="0"/>
+        </a:xfrm>
+      </p:grpSpPr>
+      <p:sp>
+        <p:nvSpPr>
+          <p:cNvPr id="4" name="직사각형 3"/>
+          <p:cNvSpPr/>
+          <p:nvPr/>
+        </p:nvSpPr>
+        <p:spPr>
+          <a:xfrm>
+            <a:off x="107504" y="2466762"/>
+            <a:ext cx="4572000" cy="1754326"/>
+          </a:xfrm>
+          <a:prstGeom prst="rect">
+            <a:avLst/>
+          </a:prstGeom>
+        </p:spPr>
+        <p:txBody>
+          <a:bodyPr>
+            <a:spAutoFit/>
+          </a:bodyPr>
+          <a:lstStyle/>
+          <a:p>
+            <a:r>
+              <a:rPr lang="en-US" altLang="ko-KR" b="1" dirty="0">
+                <a:solidFill>
+                  <a:srgbClr val="00B0F0"/>
+                </a:solidFill>
+              </a:rPr>
+              <a:t>SELECT</a:t>
+            </a:r>
+            <a:r>
+              <a:rPr lang="en-US" altLang="ko-KR" b="1" dirty="0"/>
+              <a:t> SUBJECT, NAME, AVG(SCORE) </a:t>
+            </a:r>
+            <a:r>
+              <a:rPr lang="en-US" altLang="ko-KR" b="1" dirty="0">
+                <a:solidFill>
+                  <a:srgbClr val="00B0F0"/>
+                </a:solidFill>
+              </a:rPr>
+              <a:t>FROM</a:t>
+            </a:r>
+            <a:r>
+              <a:rPr lang="en-US" altLang="ko-KR" b="1" dirty="0"/>
+              <a:t> SCORELIST</a:t>
+            </a:r>
+          </a:p>
+          <a:p>
+            <a:r>
+              <a:rPr lang="en-US" altLang="ko-KR" b="1" dirty="0">
+                <a:solidFill>
+                  <a:srgbClr val="00B0F0"/>
+                </a:solidFill>
+              </a:rPr>
+              <a:t>GROUP BY </a:t>
+            </a:r>
+            <a:r>
+              <a:rPr lang="en-US" altLang="ko-KR" b="1" dirty="0" smtClean="0">
+                <a:solidFill>
+                  <a:srgbClr val="FF0000"/>
+                </a:solidFill>
+              </a:rPr>
+              <a:t>SUBJECT</a:t>
+            </a:r>
+            <a:r>
+              <a:rPr lang="en-US" altLang="ko-KR" b="1" dirty="0" smtClean="0"/>
+              <a:t>,</a:t>
+            </a:r>
+            <a:endParaRPr lang="en-US" altLang="ko-KR" b="1" dirty="0">
+              <a:solidFill>
+                <a:srgbClr val="00B0F0"/>
+              </a:solidFill>
+            </a:endParaRPr>
+          </a:p>
+          <a:p>
+            <a:r>
+              <a:rPr lang="en-US" altLang="ko-KR" b="1" dirty="0" smtClean="0">
+                <a:solidFill>
+                  <a:srgbClr val="00B0F0"/>
+                </a:solidFill>
+              </a:rPr>
+              <a:t>CUBE</a:t>
+            </a:r>
+            <a:r>
+              <a:rPr lang="en-US" altLang="ko-KR" b="1" dirty="0" smtClean="0"/>
+              <a:t>( </a:t>
+            </a:r>
+          </a:p>
+          <a:p>
+            <a:r>
+              <a:rPr lang="en-US" altLang="ko-KR" b="1" dirty="0" smtClean="0">
+                <a:solidFill>
+                  <a:srgbClr val="FF0000"/>
+                </a:solidFill>
+              </a:rPr>
+              <a:t>	NAME</a:t>
+            </a:r>
+          </a:p>
+          <a:p>
+            <a:r>
+              <a:rPr lang="en-US" altLang="ko-KR" b="1" dirty="0" smtClean="0"/>
+              <a:t>)</a:t>
+            </a:r>
+            <a:endParaRPr lang="ko-KR" altLang="en-US" b="1" dirty="0"/>
+          </a:p>
+        </p:txBody>
+      </p:sp>
+      <p:sp>
+        <p:nvSpPr>
+          <p:cNvPr id="5" name="직사각형 4"/>
+          <p:cNvSpPr/>
+          <p:nvPr/>
+        </p:nvSpPr>
+        <p:spPr>
+          <a:xfrm>
+            <a:off x="107504" y="332656"/>
+            <a:ext cx="4572000" cy="2031325"/>
+          </a:xfrm>
+          <a:prstGeom prst="rect">
+            <a:avLst/>
+          </a:prstGeom>
+        </p:spPr>
+        <p:txBody>
+          <a:bodyPr>
+            <a:spAutoFit/>
+          </a:bodyPr>
+          <a:lstStyle/>
+          <a:p>
+            <a:r>
+              <a:rPr lang="en-US" altLang="ko-KR" b="1" dirty="0">
+                <a:solidFill>
+                  <a:srgbClr val="00B0F0"/>
+                </a:solidFill>
+              </a:rPr>
+              <a:t>SELECT</a:t>
+            </a:r>
+            <a:r>
+              <a:rPr lang="en-US" altLang="ko-KR" b="1" dirty="0"/>
+              <a:t> SUBJECT, NAME, AVG(SCORE) </a:t>
+            </a:r>
+            <a:r>
+              <a:rPr lang="en-US" altLang="ko-KR" b="1" dirty="0">
+                <a:solidFill>
+                  <a:srgbClr val="00B0F0"/>
+                </a:solidFill>
+              </a:rPr>
+              <a:t>FROM</a:t>
+            </a:r>
+            <a:r>
+              <a:rPr lang="en-US" altLang="ko-KR" b="1" dirty="0"/>
+              <a:t> SCORELIST</a:t>
+            </a:r>
+          </a:p>
+          <a:p>
+            <a:r>
+              <a:rPr lang="en-US" altLang="ko-KR" b="1" dirty="0">
+                <a:solidFill>
+                  <a:srgbClr val="00B0F0"/>
+                </a:solidFill>
+              </a:rPr>
+              <a:t>GROUP BY </a:t>
+            </a:r>
+          </a:p>
+          <a:p>
+            <a:r>
+              <a:rPr lang="en-US" altLang="ko-KR" b="1" dirty="0" smtClean="0">
+                <a:solidFill>
+                  <a:srgbClr val="00B0F0"/>
+                </a:solidFill>
+              </a:rPr>
+              <a:t>CUBE</a:t>
+            </a:r>
+            <a:r>
+              <a:rPr lang="en-US" altLang="ko-KR" b="1" dirty="0" smtClean="0"/>
+              <a:t>( </a:t>
+            </a:r>
+            <a:endParaRPr lang="en-US" altLang="ko-KR" b="1" dirty="0"/>
+          </a:p>
+          <a:p>
+            <a:r>
+              <a:rPr lang="en-US" altLang="ko-KR" b="1" dirty="0" smtClean="0">
+                <a:solidFill>
+                  <a:srgbClr val="FF0000"/>
+                </a:solidFill>
+              </a:rPr>
+              <a:t>	SUBJECT</a:t>
+            </a:r>
+            <a:r>
+              <a:rPr lang="en-US" altLang="ko-KR" b="1" dirty="0"/>
+              <a:t>,</a:t>
+            </a:r>
+          </a:p>
+          <a:p>
+            <a:r>
+              <a:rPr lang="en-US" altLang="ko-KR" b="1" dirty="0" smtClean="0">
+                <a:solidFill>
+                  <a:srgbClr val="FF0000"/>
+                </a:solidFill>
+              </a:rPr>
+              <a:t>	NAME</a:t>
+            </a:r>
+            <a:endParaRPr lang="en-US" altLang="ko-KR" b="1" dirty="0">
+              <a:solidFill>
+                <a:srgbClr val="FF0000"/>
+              </a:solidFill>
+            </a:endParaRPr>
+          </a:p>
+          <a:p>
+            <a:r>
+              <a:rPr lang="en-US" altLang="ko-KR" b="1" dirty="0"/>
+              <a:t>)</a:t>
+            </a:r>
+            <a:endParaRPr lang="ko-KR" altLang="en-US" b="1" dirty="0"/>
+          </a:p>
+        </p:txBody>
+      </p:sp>
+      <p:cxnSp>
+        <p:nvCxnSpPr>
+          <p:cNvPr id="6" name="직선 연결선 5"/>
+          <p:cNvCxnSpPr/>
+          <p:nvPr/>
+        </p:nvCxnSpPr>
+        <p:spPr>
+          <a:xfrm>
+            <a:off x="0" y="2420888"/>
+            <a:ext cx="9144000" cy="0"/>
+          </a:xfrm>
+          <a:prstGeom prst="line">
+            <a:avLst/>
+          </a:prstGeom>
+        </p:spPr>
+        <p:style>
+          <a:lnRef idx="1">
+            <a:schemeClr val="accent1"/>
+          </a:lnRef>
+          <a:fillRef idx="0">
+            <a:schemeClr val="accent1"/>
+          </a:fillRef>
+          <a:effectRef idx="0">
+            <a:schemeClr val="accent1"/>
+          </a:effectRef>
+          <a:fontRef idx="minor">
+            <a:schemeClr val="tx1"/>
+          </a:fontRef>
+        </p:style>
+      </p:cxnSp>
+      <p:sp>
+        <p:nvSpPr>
+          <p:cNvPr id="7" name="직사각형 6"/>
+          <p:cNvSpPr/>
+          <p:nvPr/>
+        </p:nvSpPr>
+        <p:spPr>
+          <a:xfrm>
+            <a:off x="107504" y="4304727"/>
+            <a:ext cx="4572000" cy="1754326"/>
+          </a:xfrm>
+          <a:prstGeom prst="rect">
+            <a:avLst/>
+          </a:prstGeom>
+        </p:spPr>
+        <p:txBody>
+          <a:bodyPr>
+            <a:spAutoFit/>
+          </a:bodyPr>
+          <a:lstStyle/>
+          <a:p>
+            <a:r>
+              <a:rPr lang="en-US" altLang="ko-KR" b="1" dirty="0">
+                <a:solidFill>
+                  <a:srgbClr val="00B0F0"/>
+                </a:solidFill>
+              </a:rPr>
+              <a:t>SELECT</a:t>
+            </a:r>
+            <a:r>
+              <a:rPr lang="en-US" altLang="ko-KR" b="1" dirty="0"/>
+              <a:t> SUBJECT, NAME, AVG(SCORE) </a:t>
+            </a:r>
+            <a:r>
+              <a:rPr lang="en-US" altLang="ko-KR" b="1" dirty="0">
+                <a:solidFill>
+                  <a:srgbClr val="00B0F0"/>
+                </a:solidFill>
+              </a:rPr>
+              <a:t>FROM</a:t>
+            </a:r>
+            <a:r>
+              <a:rPr lang="en-US" altLang="ko-KR" b="1" dirty="0"/>
+              <a:t> SCORELIST</a:t>
+            </a:r>
+          </a:p>
+          <a:p>
+            <a:r>
+              <a:rPr lang="en-US" altLang="ko-KR" b="1" dirty="0">
+                <a:solidFill>
+                  <a:srgbClr val="00B0F0"/>
+                </a:solidFill>
+              </a:rPr>
+              <a:t>GROUP BY </a:t>
+            </a:r>
+            <a:endParaRPr lang="en-US" altLang="ko-KR" b="1" dirty="0" smtClean="0">
+              <a:solidFill>
+                <a:srgbClr val="00B0F0"/>
+              </a:solidFill>
+            </a:endParaRPr>
+          </a:p>
+          <a:p>
+            <a:r>
+              <a:rPr lang="en-US" altLang="ko-KR" b="1" dirty="0" smtClean="0">
+                <a:solidFill>
+                  <a:srgbClr val="00B0F0"/>
+                </a:solidFill>
+              </a:rPr>
+              <a:t>CUBE</a:t>
+            </a:r>
+            <a:r>
+              <a:rPr lang="en-US" altLang="ko-KR" b="1" dirty="0" smtClean="0"/>
+              <a:t>( </a:t>
+            </a:r>
+          </a:p>
+          <a:p>
+            <a:r>
+              <a:rPr lang="en-US" altLang="ko-KR" b="1" dirty="0"/>
+              <a:t>	</a:t>
+            </a:r>
+            <a:r>
+              <a:rPr lang="en-US" altLang="ko-KR" b="1" dirty="0" smtClean="0">
+                <a:solidFill>
+                  <a:srgbClr val="FF0000"/>
+                </a:solidFill>
+              </a:rPr>
+              <a:t>(SUBJECT, NAME)</a:t>
+            </a:r>
+          </a:p>
+          <a:p>
+            <a:r>
+              <a:rPr lang="en-US" altLang="ko-KR" b="1" dirty="0" smtClean="0"/>
+              <a:t>)</a:t>
+            </a:r>
+            <a:endParaRPr lang="ko-KR" altLang="en-US" b="1" dirty="0"/>
+          </a:p>
+        </p:txBody>
+      </p:sp>
+      <p:cxnSp>
+        <p:nvCxnSpPr>
+          <p:cNvPr id="8" name="직선 연결선 7"/>
+          <p:cNvCxnSpPr/>
+          <p:nvPr/>
+        </p:nvCxnSpPr>
+        <p:spPr>
+          <a:xfrm>
+            <a:off x="0" y="4293096"/>
+            <a:ext cx="9144000" cy="0"/>
+          </a:xfrm>
+          <a:prstGeom prst="line">
+            <a:avLst/>
+          </a:prstGeom>
+        </p:spPr>
+        <p:style>
+          <a:lnRef idx="1">
+            <a:schemeClr val="accent1"/>
+          </a:lnRef>
+          <a:fillRef idx="0">
+            <a:schemeClr val="accent1"/>
+          </a:fillRef>
+          <a:effectRef idx="0">
+            <a:schemeClr val="accent1"/>
+          </a:effectRef>
+          <a:fontRef idx="minor">
+            <a:schemeClr val="tx1"/>
+          </a:fontRef>
+        </p:style>
+      </p:cxnSp>
+      <p:pic>
+        <p:nvPicPr>
+          <p:cNvPr id="10" name="Picture 3"/>
+          <p:cNvPicPr>
+            <a:picLocks noChangeAspect="1" noChangeArrowheads="1"/>
+          </p:cNvPicPr>
+          <p:nvPr/>
+        </p:nvPicPr>
+        <p:blipFill>
+          <a:blip r:embed="rId2">
+            <a:extLst>
+              <a:ext uri="{28A0092B-C50C-407E-A947-70E740481C1C}">
+                <a14:useLocalDpi xmlns:a14="http://schemas.microsoft.com/office/drawing/2010/main" val="0"/>
+              </a:ext>
+            </a:extLst>
+          </a:blip>
+          <a:srcRect/>
+          <a:stretch>
+            <a:fillRect/>
+          </a:stretch>
+        </p:blipFill>
+        <p:spPr bwMode="auto">
+          <a:xfrm>
+            <a:off x="5527154" y="2571865"/>
+            <a:ext cx="2724150" cy="1371600"/>
+          </a:xfrm>
+          <a:prstGeom prst="rect">
+            <a:avLst/>
+          </a:prstGeom>
+          <a:noFill/>
+          <a:ln>
+            <a:noFill/>
+          </a:ln>
+          <a:effectLst/>
+          <a:extLst>
+            <a:ext uri="{909E8E84-426E-40DD-AFC4-6F175D3DCCD1}">
+              <a14:hiddenFill xmlns:a14="http://schemas.microsoft.com/office/drawing/2010/main">
+                <a:solidFill>
+                  <a:schemeClr val="accent1"/>
+                </a:solidFill>
+              </a14:hiddenFill>
+            </a:ext>
+            <a:ext uri="{91240B29-F687-4F45-9708-019B960494DF}">
+              <a14:hiddenLine xmlns:a14="http://schemas.microsoft.com/office/drawing/2010/main" w="9525">
+                <a:solidFill>
+                  <a:schemeClr val="tx1"/>
+                </a:solidFill>
+                <a:miter lim="800000"/>
+                <a:headEnd/>
+                <a:tailEnd/>
+              </a14:hiddenLine>
+            </a:ext>
+            <a:ext uri="{AF507438-7753-43E0-B8FC-AC1667EBCBE1}">
+              <a14:hiddenEffects xmlns:a14="http://schemas.microsoft.com/office/drawing/2010/main">
+                <a:effectLst>
+                  <a:outerShdw dist="35921" dir="2700000" algn="ctr" rotWithShape="0">
+                    <a:schemeClr val="bg2"/>
+                  </a:outerShdw>
+                </a:effectLst>
+              </a14:hiddenEffects>
+            </a:ext>
+          </a:extLst>
+        </p:spPr>
+      </p:pic>
+      <p:pic>
+        <p:nvPicPr>
+          <p:cNvPr id="11" name="Picture 4"/>
+          <p:cNvPicPr>
+            <a:picLocks noChangeAspect="1" noChangeArrowheads="1"/>
+          </p:cNvPicPr>
+          <p:nvPr/>
+        </p:nvPicPr>
+        <p:blipFill>
+          <a:blip r:embed="rId3">
+            <a:extLst>
+              <a:ext uri="{28A0092B-C50C-407E-A947-70E740481C1C}">
+                <a14:useLocalDpi xmlns:a14="http://schemas.microsoft.com/office/drawing/2010/main" val="0"/>
+              </a:ext>
+            </a:extLst>
+          </a:blip>
+          <a:srcRect/>
+          <a:stretch>
+            <a:fillRect/>
+          </a:stretch>
+        </p:blipFill>
+        <p:spPr bwMode="auto">
+          <a:xfrm>
+            <a:off x="5508104" y="4706026"/>
+            <a:ext cx="2705100" cy="1228725"/>
+          </a:xfrm>
+          <a:prstGeom prst="rect">
+            <a:avLst/>
+          </a:prstGeom>
+          <a:noFill/>
+          <a:ln>
+            <a:noFill/>
+          </a:ln>
+          <a:effectLst/>
+          <a:extLst>
+            <a:ext uri="{909E8E84-426E-40DD-AFC4-6F175D3DCCD1}">
+              <a14:hiddenFill xmlns:a14="http://schemas.microsoft.com/office/drawing/2010/main">
+                <a:solidFill>
+                  <a:schemeClr val="accent1"/>
+                </a:solidFill>
+              </a14:hiddenFill>
+            </a:ext>
+            <a:ext uri="{91240B29-F687-4F45-9708-019B960494DF}">
+              <a14:hiddenLine xmlns:a14="http://schemas.microsoft.com/office/drawing/2010/main" w="9525">
+                <a:solidFill>
+                  <a:schemeClr val="tx1"/>
+                </a:solidFill>
+                <a:miter lim="800000"/>
+                <a:headEnd/>
+                <a:tailEnd/>
+              </a14:hiddenLine>
+            </a:ext>
+            <a:ext uri="{AF507438-7753-43E0-B8FC-AC1667EBCBE1}">
+              <a14:hiddenEffects xmlns:a14="http://schemas.microsoft.com/office/drawing/2010/main">
+                <a:effectLst>
+                  <a:outerShdw dist="35921" dir="2700000" algn="ctr" rotWithShape="0">
+                    <a:schemeClr val="bg2"/>
+                  </a:outerShdw>
+                </a:effectLst>
+              </a14:hiddenEffects>
+            </a:ext>
+          </a:extLst>
+        </p:spPr>
+      </p:pic>
+      <p:sp>
+        <p:nvSpPr>
+          <p:cNvPr id="12" name="직사각형 11"/>
+          <p:cNvSpPr/>
+          <p:nvPr/>
+        </p:nvSpPr>
+        <p:spPr>
+          <a:xfrm>
+            <a:off x="1043608" y="1743497"/>
+            <a:ext cx="792088" cy="304800"/>
+          </a:xfrm>
+          <a:prstGeom prst="rect">
+            <a:avLst/>
+          </a:prstGeom>
+          <a:noFill/>
+          <a:ln>
+            <a:solidFill>
+              <a:srgbClr val="FF0000"/>
+            </a:solidFill>
+            <a:prstDash val="sysDot"/>
+          </a:ln>
+        </p:spPr>
+        <p:style>
+          <a:lnRef idx="2">
+            <a:schemeClr val="accent1">
+              <a:shade val="50000"/>
+            </a:schemeClr>
+          </a:lnRef>
+          <a:fillRef idx="1">
+            <a:schemeClr val="accent1"/>
+          </a:fillRef>
+          <a:effectRef idx="0">
+            <a:schemeClr val="accent1"/>
+          </a:effectRef>
+          <a:fontRef idx="minor">
+            <a:schemeClr val="lt1"/>
+          </a:fontRef>
+        </p:style>
+        <p:txBody>
+          <a:bodyPr rtlCol="0" anchor="ctr"/>
+          <a:lstStyle/>
+          <a:p>
+            <a:pPr algn="ctr"/>
+            <a:endParaRPr lang="ko-KR" altLang="en-US" dirty="0"/>
+          </a:p>
+        </p:txBody>
+      </p:sp>
+      <p:sp>
+        <p:nvSpPr>
+          <p:cNvPr id="13" name="직사각형 12"/>
+          <p:cNvSpPr/>
+          <p:nvPr/>
+        </p:nvSpPr>
+        <p:spPr>
+          <a:xfrm>
+            <a:off x="1043608" y="1438697"/>
+            <a:ext cx="1152128" cy="304800"/>
+          </a:xfrm>
+          <a:prstGeom prst="rect">
+            <a:avLst/>
+          </a:prstGeom>
+          <a:noFill/>
+          <a:ln>
+            <a:solidFill>
+              <a:srgbClr val="FF0000"/>
+            </a:solidFill>
+            <a:prstDash val="sysDot"/>
+          </a:ln>
+        </p:spPr>
+        <p:style>
+          <a:lnRef idx="2">
+            <a:schemeClr val="accent1">
+              <a:shade val="50000"/>
+            </a:schemeClr>
+          </a:lnRef>
+          <a:fillRef idx="1">
+            <a:schemeClr val="accent1"/>
+          </a:fillRef>
+          <a:effectRef idx="0">
+            <a:schemeClr val="accent1"/>
+          </a:effectRef>
+          <a:fontRef idx="minor">
+            <a:schemeClr val="lt1"/>
+          </a:fontRef>
+        </p:style>
+        <p:txBody>
+          <a:bodyPr rtlCol="0" anchor="ctr"/>
+          <a:lstStyle/>
+          <a:p>
+            <a:pPr algn="ctr"/>
+            <a:endParaRPr lang="ko-KR" altLang="en-US" dirty="0"/>
+          </a:p>
+        </p:txBody>
+      </p:sp>
+      <p:sp>
+        <p:nvSpPr>
+          <p:cNvPr id="20" name="직사각형 19"/>
+          <p:cNvSpPr/>
+          <p:nvPr/>
+        </p:nvSpPr>
+        <p:spPr>
+          <a:xfrm>
+            <a:off x="1043608" y="3613396"/>
+            <a:ext cx="792088" cy="304800"/>
+          </a:xfrm>
+          <a:prstGeom prst="rect">
+            <a:avLst/>
+          </a:prstGeom>
+          <a:noFill/>
+          <a:ln>
+            <a:solidFill>
+              <a:srgbClr val="FF0000"/>
+            </a:solidFill>
+            <a:prstDash val="sysDot"/>
+          </a:ln>
+        </p:spPr>
+        <p:style>
+          <a:lnRef idx="2">
+            <a:schemeClr val="accent1">
+              <a:shade val="50000"/>
+            </a:schemeClr>
+          </a:lnRef>
+          <a:fillRef idx="1">
+            <a:schemeClr val="accent1"/>
+          </a:fillRef>
+          <a:effectRef idx="0">
+            <a:schemeClr val="accent1"/>
+          </a:effectRef>
+          <a:fontRef idx="minor">
+            <a:schemeClr val="lt1"/>
+          </a:fontRef>
+        </p:style>
+        <p:txBody>
+          <a:bodyPr rtlCol="0" anchor="ctr"/>
+          <a:lstStyle/>
+          <a:p>
+            <a:pPr algn="ctr"/>
+            <a:endParaRPr lang="ko-KR" altLang="en-US" dirty="0"/>
+          </a:p>
+        </p:txBody>
+      </p:sp>
+      <p:cxnSp>
+        <p:nvCxnSpPr>
+          <p:cNvPr id="21" name="꺾인 연결선 20"/>
+          <p:cNvCxnSpPr>
+            <a:stCxn id="20" idx="3"/>
+            <a:endCxn id="22" idx="1"/>
+          </p:cNvCxnSpPr>
+          <p:nvPr/>
+        </p:nvCxnSpPr>
+        <p:spPr>
+          <a:xfrm flipV="1">
+            <a:off x="1835696" y="3762236"/>
+            <a:ext cx="3659540" cy="3560"/>
+          </a:xfrm>
+          <a:prstGeom prst="bentConnector3">
+            <a:avLst/>
+          </a:prstGeom>
+          <a:ln w="19050">
+            <a:solidFill>
+              <a:srgbClr val="FF0000"/>
+            </a:solidFill>
+            <a:tailEnd type="arrow"/>
+          </a:ln>
+        </p:spPr>
+        <p:style>
+          <a:lnRef idx="1">
+            <a:schemeClr val="accent1"/>
+          </a:lnRef>
+          <a:fillRef idx="0">
+            <a:schemeClr val="accent1"/>
+          </a:fillRef>
+          <a:effectRef idx="0">
+            <a:schemeClr val="accent1"/>
+          </a:effectRef>
+          <a:fontRef idx="minor">
+            <a:schemeClr val="tx1"/>
+          </a:fontRef>
+        </p:style>
+      </p:cxnSp>
+      <p:sp>
+        <p:nvSpPr>
+          <p:cNvPr id="22" name="직사각형 21"/>
+          <p:cNvSpPr/>
+          <p:nvPr/>
+        </p:nvSpPr>
+        <p:spPr>
+          <a:xfrm>
+            <a:off x="5495236" y="3555129"/>
+            <a:ext cx="2749172" cy="414214"/>
+          </a:xfrm>
+          <a:prstGeom prst="rect">
+            <a:avLst/>
+          </a:prstGeom>
+          <a:noFill/>
+          <a:ln>
+            <a:solidFill>
+              <a:srgbClr val="FF0000"/>
+            </a:solidFill>
+            <a:prstDash val="sysDot"/>
+          </a:ln>
+        </p:spPr>
+        <p:style>
+          <a:lnRef idx="2">
+            <a:schemeClr val="accent1">
+              <a:shade val="50000"/>
+            </a:schemeClr>
+          </a:lnRef>
+          <a:fillRef idx="1">
+            <a:schemeClr val="accent1"/>
+          </a:fillRef>
+          <a:effectRef idx="0">
+            <a:schemeClr val="accent1"/>
+          </a:effectRef>
+          <a:fontRef idx="minor">
+            <a:schemeClr val="lt1"/>
+          </a:fontRef>
+        </p:style>
+        <p:txBody>
+          <a:bodyPr rtlCol="0" anchor="ctr"/>
+          <a:lstStyle/>
+          <a:p>
+            <a:pPr algn="ctr"/>
+            <a:endParaRPr lang="ko-KR" altLang="en-US" dirty="0"/>
+          </a:p>
+        </p:txBody>
+      </p:sp>
+      <p:sp>
+        <p:nvSpPr>
+          <p:cNvPr id="23" name="TextBox 22"/>
+          <p:cNvSpPr txBox="1"/>
+          <p:nvPr/>
+        </p:nvSpPr>
+        <p:spPr>
+          <a:xfrm>
+            <a:off x="2414117" y="3754287"/>
+            <a:ext cx="2561939" cy="553998"/>
+          </a:xfrm>
+          <a:prstGeom prst="rect">
+            <a:avLst/>
+          </a:prstGeom>
+          <a:noFill/>
+        </p:spPr>
+        <p:txBody>
+          <a:bodyPr wrap="square" rtlCol="0">
+            <a:spAutoFit/>
+          </a:bodyPr>
+          <a:lstStyle/>
+          <a:p>
+            <a:r>
+              <a:rPr lang="en-US" altLang="ko-KR" sz="1500" b="1" dirty="0" smtClean="0">
+                <a:solidFill>
+                  <a:srgbClr val="FF0000"/>
+                </a:solidFill>
+              </a:rPr>
+              <a:t>1. SUBJECT</a:t>
+            </a:r>
+            <a:r>
+              <a:rPr lang="ko-KR" altLang="en-US" sz="1500" b="1" dirty="0" smtClean="0">
+                <a:solidFill>
+                  <a:srgbClr val="FF0000"/>
+                </a:solidFill>
+              </a:rPr>
+              <a:t>별 평균 출력</a:t>
+            </a:r>
+            <a:endParaRPr lang="en-US" altLang="ko-KR" sz="1500" b="1" dirty="0" smtClean="0">
+              <a:solidFill>
+                <a:srgbClr val="FF0000"/>
+              </a:solidFill>
+            </a:endParaRPr>
+          </a:p>
+          <a:p>
+            <a:r>
+              <a:rPr lang="en-US" altLang="ko-KR" sz="1500" b="1" dirty="0" smtClean="0">
+                <a:solidFill>
+                  <a:srgbClr val="FF0000"/>
+                </a:solidFill>
+              </a:rPr>
+              <a:t>(</a:t>
+            </a:r>
+            <a:r>
+              <a:rPr lang="en-US" altLang="ko-KR" sz="1500" strike="sngStrike" dirty="0" smtClean="0">
+                <a:solidFill>
+                  <a:srgbClr val="FF0000"/>
+                </a:solidFill>
+              </a:rPr>
+              <a:t>NAME</a:t>
+            </a:r>
+            <a:r>
+              <a:rPr lang="en-US" altLang="ko-KR" sz="1500" b="1" dirty="0" smtClean="0">
+                <a:solidFill>
+                  <a:srgbClr val="FF0000"/>
+                </a:solidFill>
+              </a:rPr>
+              <a:t>)</a:t>
+            </a:r>
+            <a:endParaRPr lang="ko-KR" altLang="en-US" sz="1500" b="1" dirty="0">
+              <a:solidFill>
+                <a:srgbClr val="FF0000"/>
+              </a:solidFill>
+            </a:endParaRPr>
+          </a:p>
+        </p:txBody>
+      </p:sp>
+      <p:sp>
+        <p:nvSpPr>
+          <p:cNvPr id="24" name="직사각형 23"/>
+          <p:cNvSpPr/>
+          <p:nvPr/>
+        </p:nvSpPr>
+        <p:spPr>
+          <a:xfrm>
+            <a:off x="1403648" y="3039125"/>
+            <a:ext cx="989856" cy="304800"/>
+          </a:xfrm>
+          <a:prstGeom prst="rect">
+            <a:avLst/>
+          </a:prstGeom>
+          <a:noFill/>
+          <a:ln>
+            <a:solidFill>
+              <a:srgbClr val="FF0000"/>
+            </a:solidFill>
+            <a:prstDash val="sysDot"/>
+          </a:ln>
+        </p:spPr>
+        <p:style>
+          <a:lnRef idx="2">
+            <a:schemeClr val="accent1">
+              <a:shade val="50000"/>
+            </a:schemeClr>
+          </a:lnRef>
+          <a:fillRef idx="1">
+            <a:schemeClr val="accent1"/>
+          </a:fillRef>
+          <a:effectRef idx="0">
+            <a:schemeClr val="accent1"/>
+          </a:effectRef>
+          <a:fontRef idx="minor">
+            <a:schemeClr val="lt1"/>
+          </a:fontRef>
+        </p:style>
+        <p:txBody>
+          <a:bodyPr rtlCol="0" anchor="ctr"/>
+          <a:lstStyle/>
+          <a:p>
+            <a:pPr algn="ctr"/>
+            <a:endParaRPr lang="ko-KR" altLang="en-US" dirty="0"/>
+          </a:p>
+        </p:txBody>
+      </p:sp>
+      <p:cxnSp>
+        <p:nvCxnSpPr>
+          <p:cNvPr id="25" name="꺾인 연결선 24"/>
+          <p:cNvCxnSpPr>
+            <a:stCxn id="24" idx="3"/>
+            <a:endCxn id="23" idx="0"/>
+          </p:cNvCxnSpPr>
+          <p:nvPr/>
+        </p:nvCxnSpPr>
+        <p:spPr>
+          <a:xfrm>
+            <a:off x="2393504" y="3191525"/>
+            <a:ext cx="1301583" cy="562762"/>
+          </a:xfrm>
+          <a:prstGeom prst="bentConnector2">
+            <a:avLst/>
+          </a:prstGeom>
+          <a:ln w="19050">
+            <a:solidFill>
+              <a:srgbClr val="FF0000"/>
+            </a:solidFill>
+            <a:prstDash val="sysDot"/>
+            <a:tailEnd type="arrow"/>
+          </a:ln>
+        </p:spPr>
+        <p:style>
+          <a:lnRef idx="1">
+            <a:schemeClr val="accent1"/>
+          </a:lnRef>
+          <a:fillRef idx="0">
+            <a:schemeClr val="accent1"/>
+          </a:fillRef>
+          <a:effectRef idx="0">
+            <a:schemeClr val="accent1"/>
+          </a:effectRef>
+          <a:fontRef idx="minor">
+            <a:schemeClr val="tx1"/>
+          </a:fontRef>
+        </p:style>
+      </p:cxnSp>
+      <p:sp>
+        <p:nvSpPr>
+          <p:cNvPr id="26" name="직사각형 25"/>
+          <p:cNvSpPr/>
+          <p:nvPr/>
+        </p:nvSpPr>
+        <p:spPr>
+          <a:xfrm>
+            <a:off x="1043607" y="5445224"/>
+            <a:ext cx="2000687" cy="304800"/>
+          </a:xfrm>
+          <a:prstGeom prst="rect">
+            <a:avLst/>
+          </a:prstGeom>
+          <a:noFill/>
+          <a:ln>
+            <a:solidFill>
+              <a:srgbClr val="FF0000"/>
+            </a:solidFill>
+            <a:prstDash val="sysDot"/>
+          </a:ln>
+        </p:spPr>
+        <p:style>
+          <a:lnRef idx="2">
+            <a:schemeClr val="accent1">
+              <a:shade val="50000"/>
+            </a:schemeClr>
+          </a:lnRef>
+          <a:fillRef idx="1">
+            <a:schemeClr val="accent1"/>
+          </a:fillRef>
+          <a:effectRef idx="0">
+            <a:schemeClr val="accent1"/>
+          </a:effectRef>
+          <a:fontRef idx="minor">
+            <a:schemeClr val="lt1"/>
+          </a:fontRef>
+        </p:style>
+        <p:txBody>
+          <a:bodyPr rtlCol="0" anchor="ctr"/>
+          <a:lstStyle/>
+          <a:p>
+            <a:pPr algn="ctr"/>
+            <a:endParaRPr lang="ko-KR" altLang="en-US" dirty="0"/>
+          </a:p>
+        </p:txBody>
+      </p:sp>
+      <p:sp>
+        <p:nvSpPr>
+          <p:cNvPr id="27" name="직사각형 26"/>
+          <p:cNvSpPr/>
+          <p:nvPr/>
+        </p:nvSpPr>
+        <p:spPr>
+          <a:xfrm>
+            <a:off x="5486068" y="4974783"/>
+            <a:ext cx="2749172" cy="207107"/>
+          </a:xfrm>
+          <a:prstGeom prst="rect">
+            <a:avLst/>
+          </a:prstGeom>
+          <a:noFill/>
+          <a:ln>
+            <a:solidFill>
+              <a:srgbClr val="FF0000"/>
+            </a:solidFill>
+            <a:prstDash val="sysDot"/>
+          </a:ln>
+        </p:spPr>
+        <p:style>
+          <a:lnRef idx="2">
+            <a:schemeClr val="accent1">
+              <a:shade val="50000"/>
+            </a:schemeClr>
+          </a:lnRef>
+          <a:fillRef idx="1">
+            <a:schemeClr val="accent1"/>
+          </a:fillRef>
+          <a:effectRef idx="0">
+            <a:schemeClr val="accent1"/>
+          </a:effectRef>
+          <a:fontRef idx="minor">
+            <a:schemeClr val="lt1"/>
+          </a:fontRef>
+        </p:style>
+        <p:txBody>
+          <a:bodyPr rtlCol="0" anchor="ctr"/>
+          <a:lstStyle/>
+          <a:p>
+            <a:pPr algn="ctr"/>
+            <a:endParaRPr lang="ko-KR" altLang="en-US" dirty="0"/>
+          </a:p>
+        </p:txBody>
+      </p:sp>
+      <p:cxnSp>
+        <p:nvCxnSpPr>
+          <p:cNvPr id="28" name="꺾인 연결선 27"/>
+          <p:cNvCxnSpPr>
+            <a:stCxn id="26" idx="3"/>
+            <a:endCxn id="27" idx="1"/>
+          </p:cNvCxnSpPr>
+          <p:nvPr/>
+        </p:nvCxnSpPr>
+        <p:spPr>
+          <a:xfrm flipV="1">
+            <a:off x="3044294" y="5078337"/>
+            <a:ext cx="2441774" cy="519287"/>
+          </a:xfrm>
+          <a:prstGeom prst="bentConnector3">
+            <a:avLst>
+              <a:gd name="adj1" fmla="val 7959"/>
+            </a:avLst>
+          </a:prstGeom>
+          <a:ln w="19050">
+            <a:solidFill>
+              <a:srgbClr val="FF0000"/>
+            </a:solidFill>
+            <a:tailEnd type="arrow"/>
+          </a:ln>
+        </p:spPr>
+        <p:style>
+          <a:lnRef idx="1">
+            <a:schemeClr val="accent1"/>
+          </a:lnRef>
+          <a:fillRef idx="0">
+            <a:schemeClr val="accent1"/>
+          </a:fillRef>
+          <a:effectRef idx="0">
+            <a:schemeClr val="accent1"/>
+          </a:effectRef>
+          <a:fontRef idx="minor">
+            <a:schemeClr val="tx1"/>
+          </a:fontRef>
+        </p:style>
+      </p:cxnSp>
+      <p:sp>
+        <p:nvSpPr>
+          <p:cNvPr id="29" name="TextBox 28"/>
+          <p:cNvSpPr txBox="1"/>
+          <p:nvPr/>
+        </p:nvSpPr>
+        <p:spPr>
+          <a:xfrm>
+            <a:off x="3291030" y="5078336"/>
+            <a:ext cx="2561939" cy="553998"/>
+          </a:xfrm>
+          <a:prstGeom prst="rect">
+            <a:avLst/>
+          </a:prstGeom>
+          <a:noFill/>
+        </p:spPr>
+        <p:txBody>
+          <a:bodyPr wrap="square" rtlCol="0">
+            <a:spAutoFit/>
+          </a:bodyPr>
+          <a:lstStyle/>
+          <a:p>
+            <a:r>
+              <a:rPr lang="en-US" altLang="ko-KR" sz="1500" b="1" dirty="0" smtClean="0">
+                <a:solidFill>
+                  <a:srgbClr val="FF0000"/>
+                </a:solidFill>
+              </a:rPr>
+              <a:t>1. </a:t>
+            </a:r>
+            <a:r>
+              <a:rPr lang="ko-KR" altLang="en-US" sz="1500" b="1" dirty="0" smtClean="0">
+                <a:solidFill>
+                  <a:srgbClr val="FF0000"/>
+                </a:solidFill>
+              </a:rPr>
+              <a:t>전체 평균 출력</a:t>
+            </a:r>
+            <a:endParaRPr lang="en-US" altLang="ko-KR" sz="1500" b="1" dirty="0" smtClean="0">
+              <a:solidFill>
+                <a:srgbClr val="FF0000"/>
+              </a:solidFill>
+            </a:endParaRPr>
+          </a:p>
+          <a:p>
+            <a:r>
+              <a:rPr lang="en-US" altLang="ko-KR" sz="1500" b="1" dirty="0" smtClean="0">
+                <a:solidFill>
+                  <a:srgbClr val="FF0000"/>
+                </a:solidFill>
+              </a:rPr>
+              <a:t>(</a:t>
+            </a:r>
+            <a:r>
+              <a:rPr lang="en-US" altLang="ko-KR" sz="1500" strike="sngStrike" dirty="0" smtClean="0">
+                <a:solidFill>
+                  <a:srgbClr val="FF0000"/>
+                </a:solidFill>
+              </a:rPr>
+              <a:t>SUBJECT</a:t>
+            </a:r>
+            <a:r>
+              <a:rPr lang="en-US" altLang="ko-KR" sz="1500" b="1" dirty="0" smtClean="0">
+                <a:solidFill>
+                  <a:srgbClr val="FF0000"/>
+                </a:solidFill>
+              </a:rPr>
+              <a:t>, </a:t>
+            </a:r>
+            <a:r>
+              <a:rPr lang="en-US" altLang="ko-KR" sz="1500" strike="sngStrike" dirty="0" smtClean="0">
+                <a:solidFill>
+                  <a:srgbClr val="FF0000"/>
+                </a:solidFill>
+              </a:rPr>
+              <a:t>NAME</a:t>
+            </a:r>
+            <a:r>
+              <a:rPr lang="en-US" altLang="ko-KR" sz="1500" b="1" dirty="0" smtClean="0">
+                <a:solidFill>
+                  <a:srgbClr val="FF0000"/>
+                </a:solidFill>
+              </a:rPr>
+              <a:t>)</a:t>
+            </a:r>
+            <a:endParaRPr lang="ko-KR" altLang="en-US" sz="1500" b="1" dirty="0">
+              <a:solidFill>
+                <a:srgbClr val="FF0000"/>
+              </a:solidFill>
+            </a:endParaRPr>
+          </a:p>
+        </p:txBody>
+      </p:sp>
+      <p:pic>
+        <p:nvPicPr>
+          <p:cNvPr id="3074" name="Picture 2"/>
+          <p:cNvPicPr>
+            <a:picLocks noChangeAspect="1" noChangeArrowheads="1"/>
+          </p:cNvPicPr>
+          <p:nvPr/>
+        </p:nvPicPr>
+        <p:blipFill>
+          <a:blip r:embed="rId4">
+            <a:extLst>
+              <a:ext uri="{28A0092B-C50C-407E-A947-70E740481C1C}">
+                <a14:useLocalDpi xmlns:a14="http://schemas.microsoft.com/office/drawing/2010/main" val="0"/>
+              </a:ext>
+            </a:extLst>
+          </a:blip>
+          <a:srcRect/>
+          <a:stretch>
+            <a:fillRect/>
+          </a:stretch>
+        </p:blipFill>
+        <p:spPr bwMode="auto">
+          <a:xfrm>
+            <a:off x="5508104" y="404664"/>
+            <a:ext cx="2762250" cy="1924050"/>
+          </a:xfrm>
+          <a:prstGeom prst="rect">
+            <a:avLst/>
+          </a:prstGeom>
+          <a:noFill/>
+          <a:ln>
+            <a:noFill/>
+          </a:ln>
+          <a:effectLst/>
+          <a:extLst>
+            <a:ext uri="{909E8E84-426E-40DD-AFC4-6F175D3DCCD1}">
+              <a14:hiddenFill xmlns:a14="http://schemas.microsoft.com/office/drawing/2010/main">
+                <a:solidFill>
+                  <a:schemeClr val="accent1"/>
+                </a:solidFill>
+              </a14:hiddenFill>
+            </a:ext>
+            <a:ext uri="{91240B29-F687-4F45-9708-019B960494DF}">
+              <a14:hiddenLine xmlns:a14="http://schemas.microsoft.com/office/drawing/2010/main" w="9525">
+                <a:solidFill>
+                  <a:schemeClr val="tx1"/>
+                </a:solidFill>
+                <a:miter lim="800000"/>
+                <a:headEnd/>
+                <a:tailEnd/>
+              </a14:hiddenLine>
+            </a:ext>
+            <a:ext uri="{AF507438-7753-43E0-B8FC-AC1667EBCBE1}">
+              <a14:hiddenEffects xmlns:a14="http://schemas.microsoft.com/office/drawing/2010/main">
+                <a:effectLst>
+                  <a:outerShdw dist="35921" dir="2700000" algn="ctr" rotWithShape="0">
+                    <a:schemeClr val="bg2"/>
+                  </a:outerShdw>
+                </a:effectLst>
+              </a14:hiddenEffects>
+            </a:ext>
+          </a:extLst>
+        </p:spPr>
+      </p:pic>
+      <p:sp>
+        <p:nvSpPr>
+          <p:cNvPr id="57" name="직사각형 56"/>
+          <p:cNvSpPr/>
+          <p:nvPr/>
+        </p:nvSpPr>
+        <p:spPr>
+          <a:xfrm>
+            <a:off x="5502132" y="686753"/>
+            <a:ext cx="2749172" cy="207107"/>
+          </a:xfrm>
+          <a:prstGeom prst="rect">
+            <a:avLst/>
+          </a:prstGeom>
+          <a:noFill/>
+          <a:ln>
+            <a:solidFill>
+              <a:srgbClr val="FF0000"/>
+            </a:solidFill>
+            <a:prstDash val="sysDot"/>
+          </a:ln>
+        </p:spPr>
+        <p:style>
+          <a:lnRef idx="2">
+            <a:schemeClr val="accent1">
+              <a:shade val="50000"/>
+            </a:schemeClr>
+          </a:lnRef>
+          <a:fillRef idx="1">
+            <a:schemeClr val="accent1"/>
+          </a:fillRef>
+          <a:effectRef idx="0">
+            <a:schemeClr val="accent1"/>
+          </a:effectRef>
+          <a:fontRef idx="minor">
+            <a:schemeClr val="lt1"/>
+          </a:fontRef>
+        </p:style>
+        <p:txBody>
+          <a:bodyPr rtlCol="0" anchor="ctr"/>
+          <a:lstStyle/>
+          <a:p>
+            <a:pPr algn="ctr"/>
+            <a:endParaRPr lang="ko-KR" altLang="en-US" dirty="0"/>
+          </a:p>
+        </p:txBody>
+      </p:sp>
+      <p:sp>
+        <p:nvSpPr>
+          <p:cNvPr id="58" name="직사각형 57"/>
+          <p:cNvSpPr/>
+          <p:nvPr/>
+        </p:nvSpPr>
+        <p:spPr>
+          <a:xfrm>
+            <a:off x="5508048" y="1581986"/>
+            <a:ext cx="2749172" cy="378062"/>
+          </a:xfrm>
+          <a:prstGeom prst="rect">
+            <a:avLst/>
+          </a:prstGeom>
+          <a:noFill/>
+          <a:ln>
+            <a:solidFill>
+              <a:srgbClr val="FF0000"/>
+            </a:solidFill>
+            <a:prstDash val="sysDot"/>
+          </a:ln>
+        </p:spPr>
+        <p:style>
+          <a:lnRef idx="2">
+            <a:schemeClr val="accent1">
+              <a:shade val="50000"/>
+            </a:schemeClr>
+          </a:lnRef>
+          <a:fillRef idx="1">
+            <a:schemeClr val="accent1"/>
+          </a:fillRef>
+          <a:effectRef idx="0">
+            <a:schemeClr val="accent1"/>
+          </a:effectRef>
+          <a:fontRef idx="minor">
+            <a:schemeClr val="lt1"/>
+          </a:fontRef>
+        </p:style>
+        <p:txBody>
+          <a:bodyPr rtlCol="0" anchor="ctr"/>
+          <a:lstStyle/>
+          <a:p>
+            <a:pPr algn="ctr"/>
+            <a:endParaRPr lang="ko-KR" altLang="en-US" dirty="0"/>
+          </a:p>
+        </p:txBody>
+      </p:sp>
+      <p:sp>
+        <p:nvSpPr>
+          <p:cNvPr id="59" name="직사각형 58"/>
+          <p:cNvSpPr/>
+          <p:nvPr/>
+        </p:nvSpPr>
+        <p:spPr>
+          <a:xfrm>
+            <a:off x="5527154" y="1960048"/>
+            <a:ext cx="2749172" cy="368666"/>
+          </a:xfrm>
+          <a:prstGeom prst="rect">
+            <a:avLst/>
+          </a:prstGeom>
+          <a:noFill/>
+          <a:ln>
+            <a:solidFill>
+              <a:srgbClr val="FF0000"/>
+            </a:solidFill>
+            <a:prstDash val="sysDot"/>
+          </a:ln>
+        </p:spPr>
+        <p:style>
+          <a:lnRef idx="2">
+            <a:schemeClr val="accent1">
+              <a:shade val="50000"/>
+            </a:schemeClr>
+          </a:lnRef>
+          <a:fillRef idx="1">
+            <a:schemeClr val="accent1"/>
+          </a:fillRef>
+          <a:effectRef idx="0">
+            <a:schemeClr val="accent1"/>
+          </a:effectRef>
+          <a:fontRef idx="minor">
+            <a:schemeClr val="lt1"/>
+          </a:fontRef>
+        </p:style>
+        <p:txBody>
+          <a:bodyPr rtlCol="0" anchor="ctr"/>
+          <a:lstStyle/>
+          <a:p>
+            <a:pPr algn="ctr"/>
+            <a:endParaRPr lang="ko-KR" altLang="en-US" dirty="0"/>
+          </a:p>
+        </p:txBody>
+      </p:sp>
+      <p:cxnSp>
+        <p:nvCxnSpPr>
+          <p:cNvPr id="60" name="꺾인 연결선 59"/>
+          <p:cNvCxnSpPr>
+            <a:stCxn id="12" idx="3"/>
+            <a:endCxn id="59" idx="1"/>
+          </p:cNvCxnSpPr>
+          <p:nvPr/>
+        </p:nvCxnSpPr>
+        <p:spPr>
+          <a:xfrm>
+            <a:off x="1835696" y="1895897"/>
+            <a:ext cx="3691458" cy="248484"/>
+          </a:xfrm>
+          <a:prstGeom prst="bentConnector3">
+            <a:avLst>
+              <a:gd name="adj1" fmla="val 59114"/>
+            </a:avLst>
+          </a:prstGeom>
+          <a:ln w="19050">
+            <a:solidFill>
+              <a:srgbClr val="FF0000"/>
+            </a:solidFill>
+            <a:tailEnd type="arrow"/>
+          </a:ln>
+        </p:spPr>
+        <p:style>
+          <a:lnRef idx="1">
+            <a:schemeClr val="accent1"/>
+          </a:lnRef>
+          <a:fillRef idx="0">
+            <a:schemeClr val="accent1"/>
+          </a:fillRef>
+          <a:effectRef idx="0">
+            <a:schemeClr val="accent1"/>
+          </a:effectRef>
+          <a:fontRef idx="minor">
+            <a:schemeClr val="tx1"/>
+          </a:fontRef>
+        </p:style>
+      </p:cxnSp>
+      <p:cxnSp>
+        <p:nvCxnSpPr>
+          <p:cNvPr id="63" name="꺾인 연결선 62"/>
+          <p:cNvCxnSpPr>
+            <a:stCxn id="13" idx="3"/>
+            <a:endCxn id="58" idx="1"/>
+          </p:cNvCxnSpPr>
+          <p:nvPr/>
+        </p:nvCxnSpPr>
+        <p:spPr>
+          <a:xfrm>
+            <a:off x="2195736" y="1591097"/>
+            <a:ext cx="3312312" cy="179920"/>
+          </a:xfrm>
+          <a:prstGeom prst="bentConnector3">
+            <a:avLst>
+              <a:gd name="adj1" fmla="val 32030"/>
+            </a:avLst>
+          </a:prstGeom>
+          <a:ln w="19050">
+            <a:solidFill>
+              <a:srgbClr val="FF0000"/>
+            </a:solidFill>
+            <a:tailEnd type="arrow"/>
+          </a:ln>
+        </p:spPr>
+        <p:style>
+          <a:lnRef idx="1">
+            <a:schemeClr val="accent1"/>
+          </a:lnRef>
+          <a:fillRef idx="0">
+            <a:schemeClr val="accent1"/>
+          </a:fillRef>
+          <a:effectRef idx="0">
+            <a:schemeClr val="accent1"/>
+          </a:effectRef>
+          <a:fontRef idx="minor">
+            <a:schemeClr val="tx1"/>
+          </a:fontRef>
+        </p:style>
+      </p:cxnSp>
+      <p:sp>
+        <p:nvSpPr>
+          <p:cNvPr id="67" name="TextBox 66"/>
+          <p:cNvSpPr txBox="1"/>
+          <p:nvPr/>
+        </p:nvSpPr>
+        <p:spPr>
+          <a:xfrm>
+            <a:off x="1898576" y="1876176"/>
+            <a:ext cx="2561939" cy="553998"/>
+          </a:xfrm>
+          <a:prstGeom prst="rect">
+            <a:avLst/>
+          </a:prstGeom>
+          <a:noFill/>
+        </p:spPr>
+        <p:txBody>
+          <a:bodyPr wrap="square" rtlCol="0">
+            <a:spAutoFit/>
+          </a:bodyPr>
+          <a:lstStyle/>
+          <a:p>
+            <a:r>
+              <a:rPr lang="en-US" altLang="ko-KR" sz="1500" b="1" dirty="0" smtClean="0">
+                <a:solidFill>
+                  <a:srgbClr val="FF0000"/>
+                </a:solidFill>
+              </a:rPr>
+              <a:t>1. NAME</a:t>
+            </a:r>
+            <a:r>
+              <a:rPr lang="ko-KR" altLang="en-US" sz="1500" b="1" dirty="0" smtClean="0">
+                <a:solidFill>
+                  <a:srgbClr val="FF0000"/>
+                </a:solidFill>
+              </a:rPr>
+              <a:t>별 평균 출력</a:t>
+            </a:r>
+            <a:endParaRPr lang="en-US" altLang="ko-KR" sz="1500" b="1" dirty="0" smtClean="0">
+              <a:solidFill>
+                <a:srgbClr val="FF0000"/>
+              </a:solidFill>
+            </a:endParaRPr>
+          </a:p>
+          <a:p>
+            <a:r>
+              <a:rPr lang="en-US" altLang="ko-KR" sz="1500" b="1" dirty="0" smtClean="0">
+                <a:solidFill>
+                  <a:srgbClr val="FF0000"/>
+                </a:solidFill>
+              </a:rPr>
+              <a:t>(</a:t>
+            </a:r>
+            <a:r>
+              <a:rPr lang="en-US" altLang="ko-KR" sz="1500" strike="sngStrike" dirty="0" smtClean="0">
+                <a:solidFill>
+                  <a:srgbClr val="FF0000"/>
+                </a:solidFill>
+              </a:rPr>
+              <a:t>SUBJECT</a:t>
+            </a:r>
+            <a:r>
+              <a:rPr lang="en-US" altLang="ko-KR" sz="1500" b="1" dirty="0" smtClean="0">
+                <a:solidFill>
+                  <a:srgbClr val="FF0000"/>
+                </a:solidFill>
+              </a:rPr>
+              <a:t>, NAME)</a:t>
+            </a:r>
+            <a:endParaRPr lang="ko-KR" altLang="en-US" sz="1500" b="1" dirty="0">
+              <a:solidFill>
+                <a:srgbClr val="FF0000"/>
+              </a:solidFill>
+            </a:endParaRPr>
+          </a:p>
+        </p:txBody>
+      </p:sp>
+      <p:sp>
+        <p:nvSpPr>
+          <p:cNvPr id="69" name="TextBox 68"/>
+          <p:cNvSpPr txBox="1"/>
+          <p:nvPr/>
+        </p:nvSpPr>
+        <p:spPr>
+          <a:xfrm>
+            <a:off x="3275856" y="1161698"/>
+            <a:ext cx="2561939" cy="553998"/>
+          </a:xfrm>
+          <a:prstGeom prst="rect">
+            <a:avLst/>
+          </a:prstGeom>
+          <a:noFill/>
+        </p:spPr>
+        <p:txBody>
+          <a:bodyPr wrap="square" rtlCol="0">
+            <a:spAutoFit/>
+          </a:bodyPr>
+          <a:lstStyle/>
+          <a:p>
+            <a:r>
+              <a:rPr lang="en-US" altLang="ko-KR" sz="1500" b="1" dirty="0" smtClean="0">
+                <a:solidFill>
+                  <a:srgbClr val="FF0000"/>
+                </a:solidFill>
+              </a:rPr>
+              <a:t>2. SUBJECT</a:t>
+            </a:r>
+            <a:r>
+              <a:rPr lang="ko-KR" altLang="en-US" sz="1500" b="1" dirty="0" smtClean="0">
+                <a:solidFill>
+                  <a:srgbClr val="FF0000"/>
+                </a:solidFill>
+              </a:rPr>
+              <a:t>별 평균 출력</a:t>
+            </a:r>
+            <a:endParaRPr lang="en-US" altLang="ko-KR" sz="1500" b="1" dirty="0" smtClean="0">
+              <a:solidFill>
+                <a:srgbClr val="FF0000"/>
+              </a:solidFill>
+            </a:endParaRPr>
+          </a:p>
+          <a:p>
+            <a:r>
+              <a:rPr lang="en-US" altLang="ko-KR" sz="1500" b="1" dirty="0" smtClean="0">
+                <a:solidFill>
+                  <a:srgbClr val="FF0000"/>
+                </a:solidFill>
+              </a:rPr>
+              <a:t>(SUBJECT</a:t>
+            </a:r>
+            <a:r>
+              <a:rPr lang="en-US" altLang="ko-KR" sz="1500" dirty="0" smtClean="0">
+                <a:solidFill>
+                  <a:srgbClr val="FF0000"/>
+                </a:solidFill>
+              </a:rPr>
+              <a:t>, </a:t>
+            </a:r>
+            <a:r>
+              <a:rPr lang="en-US" altLang="ko-KR" sz="1500" strike="sngStrike" dirty="0" smtClean="0">
+                <a:solidFill>
+                  <a:srgbClr val="FF0000"/>
+                </a:solidFill>
+              </a:rPr>
+              <a:t>NAME</a:t>
+            </a:r>
+            <a:r>
+              <a:rPr lang="en-US" altLang="ko-KR" sz="1500" b="1" dirty="0" smtClean="0">
+                <a:solidFill>
+                  <a:srgbClr val="FF0000"/>
+                </a:solidFill>
+              </a:rPr>
+              <a:t>)</a:t>
+            </a:r>
+            <a:endParaRPr lang="ko-KR" altLang="en-US" sz="1500" b="1" dirty="0">
+              <a:solidFill>
+                <a:srgbClr val="FF0000"/>
+              </a:solidFill>
+            </a:endParaRPr>
+          </a:p>
+        </p:txBody>
+      </p:sp>
+      <p:sp>
+        <p:nvSpPr>
+          <p:cNvPr id="71" name="TextBox 70"/>
+          <p:cNvSpPr txBox="1"/>
+          <p:nvPr/>
+        </p:nvSpPr>
+        <p:spPr>
+          <a:xfrm>
+            <a:off x="3851920" y="620688"/>
+            <a:ext cx="2561939" cy="553998"/>
+          </a:xfrm>
+          <a:prstGeom prst="rect">
+            <a:avLst/>
+          </a:prstGeom>
+          <a:noFill/>
+        </p:spPr>
+        <p:txBody>
+          <a:bodyPr wrap="square" rtlCol="0">
+            <a:spAutoFit/>
+          </a:bodyPr>
+          <a:lstStyle/>
+          <a:p>
+            <a:r>
+              <a:rPr lang="en-US" altLang="ko-KR" sz="1500" b="1" dirty="0">
+                <a:solidFill>
+                  <a:srgbClr val="FF0000"/>
+                </a:solidFill>
+              </a:rPr>
+              <a:t>3</a:t>
+            </a:r>
+            <a:r>
+              <a:rPr lang="en-US" altLang="ko-KR" sz="1500" b="1" dirty="0" smtClean="0">
+                <a:solidFill>
+                  <a:srgbClr val="FF0000"/>
+                </a:solidFill>
+              </a:rPr>
+              <a:t>. </a:t>
+            </a:r>
+            <a:r>
+              <a:rPr lang="ko-KR" altLang="en-US" sz="1500" b="1" dirty="0" smtClean="0">
+                <a:solidFill>
+                  <a:srgbClr val="FF0000"/>
+                </a:solidFill>
+              </a:rPr>
+              <a:t>전</a:t>
+            </a:r>
+            <a:r>
+              <a:rPr lang="ko-KR" altLang="en-US" sz="1500" b="1" dirty="0">
+                <a:solidFill>
+                  <a:srgbClr val="FF0000"/>
+                </a:solidFill>
+              </a:rPr>
+              <a:t>체</a:t>
+            </a:r>
+            <a:r>
+              <a:rPr lang="ko-KR" altLang="en-US" sz="1500" b="1" dirty="0" smtClean="0">
+                <a:solidFill>
+                  <a:srgbClr val="FF0000"/>
+                </a:solidFill>
+              </a:rPr>
+              <a:t> 평균 출력</a:t>
+            </a:r>
+            <a:endParaRPr lang="en-US" altLang="ko-KR" sz="1500" b="1" dirty="0" smtClean="0">
+              <a:solidFill>
+                <a:srgbClr val="FF0000"/>
+              </a:solidFill>
+            </a:endParaRPr>
+          </a:p>
+          <a:p>
+            <a:r>
+              <a:rPr lang="en-US" altLang="ko-KR" sz="1500" b="1" dirty="0" smtClean="0">
+                <a:solidFill>
+                  <a:srgbClr val="FF0000"/>
+                </a:solidFill>
+              </a:rPr>
+              <a:t>(</a:t>
+            </a:r>
+            <a:r>
+              <a:rPr lang="en-US" altLang="ko-KR" sz="1500" strike="sngStrike" dirty="0" smtClean="0">
+                <a:solidFill>
+                  <a:srgbClr val="FF0000"/>
+                </a:solidFill>
+              </a:rPr>
+              <a:t>SUBJECT</a:t>
+            </a:r>
+            <a:r>
+              <a:rPr lang="en-US" altLang="ko-KR" sz="1500" dirty="0" smtClean="0">
+                <a:solidFill>
+                  <a:srgbClr val="FF0000"/>
+                </a:solidFill>
+              </a:rPr>
+              <a:t>, </a:t>
+            </a:r>
+            <a:r>
+              <a:rPr lang="en-US" altLang="ko-KR" sz="1500" strike="sngStrike" dirty="0" smtClean="0">
+                <a:solidFill>
+                  <a:srgbClr val="FF0000"/>
+                </a:solidFill>
+              </a:rPr>
+              <a:t>NAME</a:t>
+            </a:r>
+            <a:r>
+              <a:rPr lang="en-US" altLang="ko-KR" sz="1500" b="1" dirty="0" smtClean="0">
+                <a:solidFill>
+                  <a:srgbClr val="FF0000"/>
+                </a:solidFill>
+              </a:rPr>
+              <a:t>)</a:t>
+            </a:r>
+            <a:endParaRPr lang="ko-KR" altLang="en-US" sz="1500" b="1" dirty="0">
+              <a:solidFill>
+                <a:srgbClr val="FF0000"/>
+              </a:solidFill>
+            </a:endParaRPr>
+          </a:p>
+        </p:txBody>
+      </p:sp>
+    </p:spTree>
+    <p:extLst>
+      <p:ext uri="{BB962C8B-B14F-4D97-AF65-F5344CB8AC3E}">
+        <p14:creationId xmlns:p14="http://schemas.microsoft.com/office/powerpoint/2010/main" val="2311141876"/>
       </p:ext>
     </p:extLst>
   </p:cSld>
